--- a/DRAFT Presentation.pptx
+++ b/DRAFT Presentation.pptx
@@ -9,8 +9,10 @@
     <p:sldId id="286" r:id="rId6"/>
     <p:sldId id="287" r:id="rId7"/>
     <p:sldId id="288" r:id="rId8"/>
-    <p:sldId id="289" r:id="rId9"/>
-    <p:sldId id="290" r:id="rId10"/>
+    <p:sldId id="291" r:id="rId9"/>
+    <p:sldId id="292" r:id="rId10"/>
+    <p:sldId id="289" r:id="rId11"/>
+    <p:sldId id="290" r:id="rId12"/>
   </p:sldIdLst>
   <p:sldSz cx="12192000" cy="6858000"/>
   <p:notesSz cx="6858000" cy="9144000"/>
@@ -361,7 +363,7 @@
           <a:p>
             <a:fld id="{9184DA70-C731-4C70-880D-CCD4705E623C}" type="datetime1">
               <a:rPr lang="en-US" smtClean="0"/>
-              <a:t>3/18/2021</a:t>
+              <a:t>3/19/2021</a:t>
             </a:fld>
             <a:endParaRPr lang="en-US" dirty="0"/>
           </a:p>
@@ -549,7 +551,7 @@
           <a:p>
             <a:fld id="{4BE1D723-8F53-4F53-90B0-1982A396982E}" type="datetime1">
               <a:rPr lang="en-US" smtClean="0"/>
-              <a:t>3/18/2021</a:t>
+              <a:t>3/19/2021</a:t>
             </a:fld>
             <a:endParaRPr lang="en-US" dirty="0"/>
           </a:p>
@@ -922,7 +924,7 @@
           <a:p>
             <a:fld id="{97669AF7-7BEB-44E4-9852-375E34362B5B}" type="datetime1">
               <a:rPr lang="en-US" smtClean="0"/>
-              <a:t>3/18/2021</a:t>
+              <a:t>3/19/2021</a:t>
             </a:fld>
             <a:endParaRPr lang="en-US" dirty="0"/>
           </a:p>
@@ -1177,7 +1179,7 @@
           <a:p>
             <a:fld id="{BAAAC38D-0552-4C82-B593-E6124DFADBE2}" type="datetime1">
               <a:rPr lang="en-US" smtClean="0"/>
-              <a:t>3/18/2021</a:t>
+              <a:t>3/19/2021</a:t>
             </a:fld>
             <a:endParaRPr lang="en-US" dirty="0"/>
           </a:p>
@@ -1574,7 +1576,7 @@
           <a:p>
             <a:fld id="{D9DF0F1C-5577-4ACB-BB62-DF8F3C494C7E}" type="datetime1">
               <a:rPr lang="en-US" smtClean="0"/>
-              <a:t>3/18/2021</a:t>
+              <a:t>3/19/2021</a:t>
             </a:fld>
             <a:endParaRPr lang="en-US" dirty="0"/>
           </a:p>
@@ -1710,7 +1712,7 @@
           <a:p>
             <a:fld id="{1775B394-D9F9-4F0C-B15D-605F45CB9E9F}" type="datetime1">
               <a:rPr lang="en-US" smtClean="0"/>
-              <a:t>3/18/2021</a:t>
+              <a:t>3/19/2021</a:t>
             </a:fld>
             <a:endParaRPr lang="en-US" dirty="0"/>
           </a:p>
@@ -1867,7 +1869,7 @@
           <a:p>
             <a:fld id="{39667345-2558-425A-8533-9BFDBCE15005}" type="datetime1">
               <a:rPr lang="en-US" smtClean="0"/>
-              <a:t>3/18/2021</a:t>
+              <a:t>3/19/2021</a:t>
             </a:fld>
             <a:endParaRPr lang="en-US" dirty="0"/>
           </a:p>
@@ -2196,7 +2198,7 @@
           <a:p>
             <a:fld id="{92BEA474-078D-4E9B-9B14-09A87B19DC46}" type="datetime1">
               <a:rPr lang="en-US" smtClean="0"/>
-              <a:t>3/18/2021</a:t>
+              <a:t>3/19/2021</a:t>
             </a:fld>
             <a:endParaRPr lang="en-US" dirty="0"/>
           </a:p>
@@ -2546,7 +2548,7 @@
           <a:p>
             <a:fld id="{4907D986-8816-4272-A432-0437A28A9828}" type="datetime1">
               <a:rPr lang="en-US" smtClean="0"/>
-              <a:t>3/18/2021</a:t>
+              <a:t>3/19/2021</a:t>
             </a:fld>
             <a:endParaRPr lang="en-US" dirty="0"/>
           </a:p>
@@ -2807,7 +2809,7 @@
           <a:p>
             <a:fld id="{62D6E202-B606-4609-B914-27C9371A1F6D}" type="datetime1">
               <a:rPr lang="en-US" smtClean="0"/>
-              <a:t>3/18/2021</a:t>
+              <a:t>3/19/2021</a:t>
             </a:fld>
             <a:endParaRPr lang="en-US" dirty="0"/>
           </a:p>
@@ -4036,7 +4038,7 @@
         <p:spPr>
           <a:xfrm>
             <a:off x="4251742" y="1453847"/>
-            <a:ext cx="7540208" cy="1323439"/>
+            <a:ext cx="7540208" cy="954107"/>
           </a:xfrm>
           <a:prstGeom prst="rect">
             <a:avLst/>
@@ -4050,16 +4052,8 @@
           <a:lstStyle/>
           <a:p>
             <a:r>
-              <a:rPr lang="en-US" sz="1600" dirty="0"/>
-              <a:t>It seems like a bygone activity of yesteryear, but yes people did go to movie theaters. With the advent of streaming services and well Covid, most of us are enjoying film from the comfort of our couch.  We have many movie options! How do we know if what we select is “quality” and if something is “quality” is it something the average </a:t>
-            </a:r>
-            <a:r>
-              <a:rPr lang="en-US" sz="1600" dirty="0" err="1"/>
-              <a:t>Netflixer</a:t>
-            </a:r>
-            <a:r>
-              <a:rPr lang="en-US" sz="1600" dirty="0"/>
-              <a:t> really wants to watch?</a:t>
+              <a:rPr lang="en-US" sz="1400" dirty="0"/>
+              <a:t>It seems like a bygone activity of yesteryear, but yes people did go to movie theaters. With the advent of streaming services and well Covid, most of us are enjoying film from the comfort of our couch.  We have many movie options! How do we know if what we select is “quality” and if something is “quality” is it something the average streamer really wants to watch?</a:t>
             </a:r>
           </a:p>
         </p:txBody>
@@ -4078,8 +4072,8 @@
         </p:nvSpPr>
         <p:spPr>
           <a:xfrm>
-            <a:off x="4251742" y="3136612"/>
-            <a:ext cx="7540208" cy="584775"/>
+            <a:off x="4246648" y="2873593"/>
+            <a:ext cx="7540208" cy="523220"/>
           </a:xfrm>
           <a:prstGeom prst="rect">
             <a:avLst/>
@@ -4093,7 +4087,7 @@
           <a:lstStyle/>
           <a:p>
             <a:r>
-              <a:rPr lang="en-US" sz="1600" dirty="0"/>
+              <a:rPr lang="en-US" sz="1400" dirty="0"/>
               <a:t>We extracted data from an Academy Awards Database and a Streaming Services database to try and determine: </a:t>
             </a:r>
           </a:p>
@@ -4113,8 +4107,8 @@
         </p:nvSpPr>
         <p:spPr>
           <a:xfrm>
-            <a:off x="4537492" y="4080713"/>
-            <a:ext cx="7106874" cy="1524520"/>
+            <a:off x="4333875" y="3650945"/>
+            <a:ext cx="7106874" cy="1345497"/>
           </a:xfrm>
           <a:prstGeom prst="rect">
             <a:avLst/>
@@ -4135,7 +4129,7 @@
               <a:buChar char="•"/>
             </a:pPr>
             <a:r>
-              <a:rPr lang="en-US" sz="1600" dirty="0"/>
+              <a:rPr lang="en-US" sz="1400" dirty="0"/>
               <a:t>Do award winning films actually have high user ratings?</a:t>
             </a:r>
           </a:p>
@@ -4148,14 +4142,14 @@
               <a:buChar char="•"/>
             </a:pPr>
             <a:r>
-              <a:rPr lang="en-US" sz="1600" dirty="0">
+              <a:rPr lang="en-US" sz="1400" dirty="0">
                 <a:effectLst/>
                 <a:ea typeface="Calibri" panose="020F0502020204030204" pitchFamily="34" charset="0"/>
                 <a:cs typeface="Times New Roman" panose="02020603050405020304" pitchFamily="18" charset="0"/>
               </a:rPr>
               <a:t>Do awards impact film popularity on streaming services?</a:t>
             </a:r>
-            <a:endParaRPr lang="en-US" sz="1600" dirty="0">
+            <a:endParaRPr lang="en-US" sz="1400" dirty="0">
               <a:ea typeface="Calibri" panose="020F0502020204030204" pitchFamily="34" charset="0"/>
               <a:cs typeface="Times New Roman" panose="02020603050405020304" pitchFamily="18" charset="0"/>
             </a:endParaRPr>
@@ -4169,14 +4163,14 @@
               <a:buChar char="•"/>
             </a:pPr>
             <a:r>
-              <a:rPr lang="en-US" sz="1600" dirty="0">
+              <a:rPr lang="en-US" sz="1400" dirty="0">
                 <a:effectLst/>
                 <a:ea typeface="Calibri" panose="020F0502020204030204" pitchFamily="34" charset="0"/>
                 <a:cs typeface="Times New Roman" panose="02020603050405020304" pitchFamily="18" charset="0"/>
               </a:rPr>
               <a:t>Do award winning directors receive higher ratings?</a:t>
             </a:r>
-            <a:endParaRPr lang="en-US" sz="1600" dirty="0">
+            <a:endParaRPr lang="en-US" sz="1400" dirty="0">
               <a:ea typeface="Calibri" panose="020F0502020204030204" pitchFamily="34" charset="0"/>
               <a:cs typeface="Times New Roman" panose="02020603050405020304" pitchFamily="18" charset="0"/>
             </a:endParaRPr>
@@ -4190,14 +4184,14 @@
               <a:buChar char="•"/>
             </a:pPr>
             <a:r>
-              <a:rPr lang="en-US" sz="1600" dirty="0">
+              <a:rPr lang="en-US" sz="1400" dirty="0">
                 <a:effectLst/>
                 <a:ea typeface="Calibri" panose="020F0502020204030204" pitchFamily="34" charset="0"/>
                 <a:cs typeface="Times New Roman" panose="02020603050405020304" pitchFamily="18" charset="0"/>
               </a:rPr>
               <a:t>Do films with winning soundtracks have higher popularity?</a:t>
             </a:r>
-            <a:endParaRPr lang="en-US" sz="1600" dirty="0"/>
+            <a:endParaRPr lang="en-US" sz="1400" dirty="0"/>
           </a:p>
         </p:txBody>
       </p:sp>
@@ -4453,7 +4447,7 @@
         </p:nvSpPr>
         <p:spPr>
           <a:xfrm>
-            <a:off x="4333875" y="393702"/>
+            <a:off x="4246648" y="251349"/>
             <a:ext cx="7365755" cy="530972"/>
           </a:xfrm>
         </p:spPr>
@@ -4464,7 +4458,7 @@
           <a:lstStyle/>
           <a:p>
             <a:r>
-              <a:rPr lang="en-US" sz="2000" dirty="0">
+              <a:rPr lang="en-US" sz="3200" dirty="0">
                 <a:solidFill>
                   <a:schemeClr val="accent3"/>
                 </a:solidFill>
@@ -4489,8 +4483,8 @@
         </p:nvSpPr>
         <p:spPr>
           <a:xfrm>
-            <a:off x="4371091" y="979822"/>
-            <a:ext cx="7540208" cy="2800767"/>
+            <a:off x="4246648" y="1341152"/>
+            <a:ext cx="7540208" cy="2062103"/>
           </a:xfrm>
           <a:prstGeom prst="rect">
             <a:avLst/>
@@ -4521,13 +4515,121 @@
               <a:defRPr/>
             </a:pPr>
             <a:r>
-              <a:rPr lang="en-US" sz="1600" dirty="0">
+              <a:rPr lang="en-US" sz="1400" dirty="0">
                 <a:solidFill>
                   <a:prstClr val="black"/>
                 </a:solidFill>
                 <a:latin typeface="Franklin Gothic Book" panose="020F0502020204030204"/>
               </a:rPr>
               <a:t>The team leveraged a csv database from Kaggle containing streaming services which included film names, user ratings, service providers, and directors.  </a:t>
+            </a:r>
+          </a:p>
+          <a:p>
+            <a:pPr marL="0" marR="0" lvl="0" indent="0" algn="l" defTabSz="914400" rtl="0" eaLnBrk="1" fontAlgn="auto" latinLnBrk="0" hangingPunct="1">
+              <a:lnSpc>
+                <a:spcPct val="100000"/>
+              </a:lnSpc>
+              <a:spcBef>
+                <a:spcPts val="0"/>
+              </a:spcBef>
+              <a:spcAft>
+                <a:spcPts val="0"/>
+              </a:spcAft>
+              <a:buClrTx/>
+              <a:buSzTx/>
+              <a:buFontTx/>
+              <a:buNone/>
+              <a:tabLst/>
+              <a:defRPr/>
+            </a:pPr>
+            <a:endParaRPr kumimoji="0" lang="en-US" sz="1400" b="0" i="0" u="none" strike="noStrike" kern="1200" cap="none" spc="0" normalizeH="0" baseline="0" noProof="0" dirty="0">
+              <a:ln>
+                <a:noFill/>
+              </a:ln>
+              <a:solidFill>
+                <a:prstClr val="black"/>
+              </a:solidFill>
+              <a:effectLst/>
+              <a:uLnTx/>
+              <a:uFillTx/>
+              <a:latin typeface="Franklin Gothic Book" panose="020F0502020204030204"/>
+              <a:ea typeface="+mn-ea"/>
+              <a:cs typeface="+mn-cs"/>
+            </a:endParaRPr>
+          </a:p>
+          <a:p>
+            <a:pPr marL="742950" lvl="1" indent="-285750">
+              <a:buFont typeface="Arial" panose="020B0604020202020204" pitchFamily="34" charset="0"/>
+              <a:buChar char="•"/>
+            </a:pPr>
+            <a:r>
+              <a:rPr lang="en-US" sz="1400" dirty="0">
+                <a:solidFill>
+                  <a:srgbClr val="0070C0"/>
+                </a:solidFill>
+                <a:latin typeface="Franklin Gothic Book" panose="020F0502020204030204"/>
+              </a:rPr>
+              <a:t>https://www.kaggle.com/ruchi798/movies-on-netflix-prime-video-hulu-and-disney </a:t>
+            </a:r>
+          </a:p>
+          <a:p>
+            <a:endParaRPr lang="en-US" sz="1400" dirty="0">
+              <a:solidFill>
+                <a:prstClr val="black"/>
+              </a:solidFill>
+              <a:latin typeface="Franklin Gothic Book" panose="020F0502020204030204"/>
+            </a:endParaRPr>
+          </a:p>
+          <a:p>
+            <a:r>
+              <a:rPr lang="en-US" sz="1400" dirty="0">
+                <a:solidFill>
+                  <a:prstClr val="black"/>
+                </a:solidFill>
+                <a:latin typeface="Franklin Gothic Book" panose="020F0502020204030204"/>
+              </a:rPr>
+              <a:t>The second source was  JSON database from </a:t>
+            </a:r>
+            <a:r>
+              <a:rPr lang="en-US" sz="1400" dirty="0" err="1">
+                <a:solidFill>
+                  <a:prstClr val="black"/>
+                </a:solidFill>
+                <a:latin typeface="Franklin Gothic Book" panose="020F0502020204030204"/>
+              </a:rPr>
+              <a:t>DataHub</a:t>
+            </a:r>
+            <a:r>
+              <a:rPr lang="en-US" sz="1400" dirty="0">
+                <a:solidFill>
+                  <a:prstClr val="black"/>
+                </a:solidFill>
+                <a:latin typeface="Franklin Gothic Book" panose="020F0502020204030204"/>
+              </a:rPr>
+              <a:t> containing Oscar nominees and winners. </a:t>
+            </a:r>
+          </a:p>
+          <a:p>
+            <a:endParaRPr lang="en-US" sz="1400" dirty="0">
+              <a:solidFill>
+                <a:prstClr val="black"/>
+              </a:solidFill>
+              <a:latin typeface="Franklin Gothic Book" panose="020F0502020204030204"/>
+            </a:endParaRPr>
+          </a:p>
+          <a:p>
+            <a:pPr marL="742950" lvl="1" indent="-285750">
+              <a:buFont typeface="Arial" panose="020B0604020202020204" pitchFamily="34" charset="0"/>
+              <a:buChar char="•"/>
+            </a:pPr>
+            <a:r>
+              <a:rPr lang="en-US" sz="1400" dirty="0">
+                <a:solidFill>
+                  <a:srgbClr val="0070C0"/>
+                </a:solidFill>
+                <a:latin typeface="Franklin Gothic Book" panose="020F0502020204030204"/>
+              </a:rPr>
+              <a:t>https://datahub.io/rufuspollock/oscars-nominees-and-winners</a:t>
             </a:r>
           </a:p>
           <a:p>
@@ -4563,114 +4665,6 @@
               <a:cs typeface="+mn-cs"/>
             </a:endParaRPr>
           </a:p>
-          <a:p>
-            <a:pPr marL="742950" lvl="1" indent="-285750">
-              <a:buFont typeface="Arial" panose="020B0604020202020204" pitchFamily="34" charset="0"/>
-              <a:buChar char="•"/>
-            </a:pPr>
-            <a:r>
-              <a:rPr lang="en-US" sz="1600" dirty="0">
-                <a:solidFill>
-                  <a:srgbClr val="0070C0"/>
-                </a:solidFill>
-                <a:latin typeface="Franklin Gothic Book" panose="020F0502020204030204"/>
-              </a:rPr>
-              <a:t>https://www.kaggle.com/ruchi798/movies-on-netflix-prime-video-hulu-and-disney </a:t>
-            </a:r>
-          </a:p>
-          <a:p>
-            <a:endParaRPr lang="en-US" sz="1600" dirty="0">
-              <a:solidFill>
-                <a:prstClr val="black"/>
-              </a:solidFill>
-              <a:latin typeface="Franklin Gothic Book" panose="020F0502020204030204"/>
-            </a:endParaRPr>
-          </a:p>
-          <a:p>
-            <a:r>
-              <a:rPr lang="en-US" sz="1600" dirty="0">
-                <a:solidFill>
-                  <a:prstClr val="black"/>
-                </a:solidFill>
-                <a:latin typeface="Franklin Gothic Book" panose="020F0502020204030204"/>
-              </a:rPr>
-              <a:t>The second source was  JSON database from </a:t>
-            </a:r>
-            <a:r>
-              <a:rPr lang="en-US" sz="1600" dirty="0" err="1">
-                <a:solidFill>
-                  <a:prstClr val="black"/>
-                </a:solidFill>
-                <a:latin typeface="Franklin Gothic Book" panose="020F0502020204030204"/>
-              </a:rPr>
-              <a:t>DataHub</a:t>
-            </a:r>
-            <a:r>
-              <a:rPr lang="en-US" sz="1600" dirty="0">
-                <a:solidFill>
-                  <a:prstClr val="black"/>
-                </a:solidFill>
-                <a:latin typeface="Franklin Gothic Book" panose="020F0502020204030204"/>
-              </a:rPr>
-              <a:t> containing Oscar nominees and winners. </a:t>
-            </a:r>
-          </a:p>
-          <a:p>
-            <a:endParaRPr lang="en-US" sz="1600" dirty="0">
-              <a:solidFill>
-                <a:prstClr val="black"/>
-              </a:solidFill>
-              <a:latin typeface="Franklin Gothic Book" panose="020F0502020204030204"/>
-            </a:endParaRPr>
-          </a:p>
-          <a:p>
-            <a:pPr marL="742950" lvl="1" indent="-285750">
-              <a:buFont typeface="Arial" panose="020B0604020202020204" pitchFamily="34" charset="0"/>
-              <a:buChar char="•"/>
-            </a:pPr>
-            <a:r>
-              <a:rPr lang="en-US" sz="1600" dirty="0">
-                <a:solidFill>
-                  <a:srgbClr val="0070C0"/>
-                </a:solidFill>
-                <a:latin typeface="Franklin Gothic Book" panose="020F0502020204030204"/>
-              </a:rPr>
-              <a:t>https://datahub.io/rufuspollock/oscars-nominees-and-winners</a:t>
-            </a:r>
-          </a:p>
-          <a:p>
-            <a:pPr marL="0" marR="0" lvl="0" indent="0" algn="l" defTabSz="914400" rtl="0" eaLnBrk="1" fontAlgn="auto" latinLnBrk="0" hangingPunct="1">
-              <a:lnSpc>
-                <a:spcPct val="100000"/>
-              </a:lnSpc>
-              <a:spcBef>
-                <a:spcPts val="0"/>
-              </a:spcBef>
-              <a:spcAft>
-                <a:spcPts val="0"/>
-              </a:spcAft>
-              <a:buClrTx/>
-              <a:buSzTx/>
-              <a:buFontTx/>
-              <a:buNone/>
-              <a:tabLst/>
-              <a:defRPr/>
-            </a:pPr>
-            <a:endParaRPr kumimoji="0" lang="en-US" sz="1600" b="0" i="0" u="none" strike="noStrike" kern="1200" cap="none" spc="0" normalizeH="0" baseline="0" noProof="0" dirty="0">
-              <a:ln>
-                <a:noFill/>
-              </a:ln>
-              <a:solidFill>
-                <a:prstClr val="black"/>
-              </a:solidFill>
-              <a:effectLst/>
-              <a:uLnTx/>
-              <a:uFillTx/>
-              <a:latin typeface="Franklin Gothic Book" panose="020F0502020204030204"/>
-              <a:ea typeface="+mn-ea"/>
-              <a:cs typeface="+mn-cs"/>
-            </a:endParaRPr>
-          </a:p>
         </p:txBody>
       </p:sp>
       <p:sp>
@@ -4687,8 +4681,8 @@
         </p:nvSpPr>
         <p:spPr>
           <a:xfrm>
-            <a:off x="4371091" y="3780589"/>
-            <a:ext cx="7540208" cy="584775"/>
+            <a:off x="4371091" y="3853741"/>
+            <a:ext cx="7540208" cy="523220"/>
           </a:xfrm>
           <a:prstGeom prst="rect">
             <a:avLst/>
@@ -4702,14 +4696,9 @@
           <a:lstStyle/>
           <a:p>
             <a:r>
-              <a:rPr lang="en-US" sz="1600" dirty="0"/>
-              <a:t>Both data sets were downloaded from their corresponding websites and loaded into Jupyter Notebook </a:t>
-            </a:r>
-            <a:r>
-              <a:rPr lang="en-US" sz="1600"/>
-              <a:t>for Transformation. </a:t>
-            </a:r>
-            <a:endParaRPr lang="en-US" sz="1600" dirty="0"/>
+              <a:rPr lang="en-US" sz="1400" dirty="0"/>
+              <a:t>Both data sets were downloaded from their corresponding websites and loaded into Jupyter Notebook for Transformation. </a:t>
+            </a:r>
           </a:p>
         </p:txBody>
       </p:sp>
@@ -4965,7 +4954,7 @@
         </p:nvSpPr>
         <p:spPr>
           <a:xfrm>
-            <a:off x="4333875" y="393702"/>
+            <a:off x="4147864" y="196851"/>
             <a:ext cx="7365755" cy="807132"/>
           </a:xfrm>
         </p:spPr>
@@ -4982,7 +4971,7 @@
                 </a:solidFill>
                 <a:latin typeface="Broadway" panose="04040905080B02020502" pitchFamily="82" charset="0"/>
               </a:rPr>
-              <a:t>Insert headline</a:t>
+              <a:t>Data Cleanse:</a:t>
             </a:r>
           </a:p>
         </p:txBody>
@@ -5001,8 +4990,8 @@
         </p:nvSpPr>
         <p:spPr>
           <a:xfrm>
-            <a:off x="4251742" y="1453847"/>
-            <a:ext cx="7540208" cy="338554"/>
+            <a:off x="4147864" y="1341152"/>
+            <a:ext cx="7540208" cy="2062103"/>
           </a:xfrm>
           <a:prstGeom prst="rect">
             <a:avLst/>
@@ -5015,7 +5004,7 @@
           </a:bodyPr>
           <a:lstStyle/>
           <a:p>
-            <a:pPr marL="0" marR="0" lvl="0" indent="0" algn="l" defTabSz="914400" rtl="0" eaLnBrk="1" fontAlgn="auto" latinLnBrk="0" hangingPunct="1">
+            <a:pPr marL="285750" marR="0" lvl="0" indent="-285750" algn="l" defTabSz="914400" rtl="0" eaLnBrk="1" fontAlgn="auto" latinLnBrk="0" hangingPunct="1">
               <a:lnSpc>
                 <a:spcPct val="100000"/>
               </a:lnSpc>
@@ -5027,13 +5016,13 @@
               </a:spcAft>
               <a:buClrTx/>
               <a:buSzTx/>
-              <a:buFontTx/>
-              <a:buNone/>
+              <a:buFont typeface="Arial" panose="020B0604020202020204" pitchFamily="34" charset="0"/>
+              <a:buChar char="•"/>
               <a:tabLst/>
               <a:defRPr/>
             </a:pPr>
             <a:r>
-              <a:rPr kumimoji="0" lang="en-US" sz="1600" b="0" i="0" u="none" strike="noStrike" kern="1200" cap="none" spc="0" normalizeH="0" baseline="0" noProof="0" dirty="0">
+              <a:rPr kumimoji="0" lang="en-US" sz="1400" b="0" i="0" u="none" strike="noStrike" kern="1200" cap="none" spc="0" normalizeH="0" baseline="0" noProof="0" dirty="0">
                 <a:ln>
                   <a:noFill/>
                 </a:ln>
@@ -5047,8 +5036,413 @@
                 <a:ea typeface="+mn-ea"/>
                 <a:cs typeface="+mn-cs"/>
               </a:rPr>
-              <a:t>Insert Text</a:t>
-            </a:r>
+              <a:t>Drop empty columns</a:t>
+            </a:r>
+          </a:p>
+          <a:p>
+            <a:pPr marL="285750" marR="0" lvl="0" indent="-285750" algn="l" defTabSz="914400" rtl="0" eaLnBrk="1" fontAlgn="auto" latinLnBrk="0" hangingPunct="1">
+              <a:lnSpc>
+                <a:spcPct val="100000"/>
+              </a:lnSpc>
+              <a:spcBef>
+                <a:spcPts val="0"/>
+              </a:spcBef>
+              <a:spcAft>
+                <a:spcPts val="0"/>
+              </a:spcAft>
+              <a:buClrTx/>
+              <a:buSzTx/>
+              <a:buFont typeface="Arial" panose="020B0604020202020204" pitchFamily="34" charset="0"/>
+              <a:buChar char="•"/>
+              <a:tabLst/>
+              <a:defRPr/>
+            </a:pPr>
+            <a:r>
+              <a:rPr kumimoji="0" lang="en-US" sz="1400" b="0" i="0" u="none" strike="noStrike" kern="1200" cap="none" spc="0" normalizeH="0" baseline="0" noProof="0" dirty="0">
+                <a:ln>
+                  <a:noFill/>
+                </a:ln>
+                <a:solidFill>
+                  <a:prstClr val="black"/>
+                </a:solidFill>
+                <a:effectLst/>
+                <a:uLnTx/>
+                <a:uFillTx/>
+                <a:latin typeface="Franklin Gothic Book" panose="020F0502020204030204"/>
+                <a:ea typeface="+mn-ea"/>
+                <a:cs typeface="+mn-cs"/>
+              </a:rPr>
+              <a:t>Remove rows that did not contain rating information</a:t>
+            </a:r>
+          </a:p>
+          <a:p>
+            <a:pPr marL="285750" marR="0" lvl="0" indent="-285750" algn="l" defTabSz="914400" rtl="0" eaLnBrk="1" fontAlgn="auto" latinLnBrk="0" hangingPunct="1">
+              <a:lnSpc>
+                <a:spcPct val="100000"/>
+              </a:lnSpc>
+              <a:spcBef>
+                <a:spcPts val="0"/>
+              </a:spcBef>
+              <a:spcAft>
+                <a:spcPts val="0"/>
+              </a:spcAft>
+              <a:buClrTx/>
+              <a:buSzTx/>
+              <a:buFont typeface="Arial" panose="020B0604020202020204" pitchFamily="34" charset="0"/>
+              <a:buChar char="•"/>
+              <a:tabLst/>
+              <a:defRPr/>
+            </a:pPr>
+            <a:r>
+              <a:rPr kumimoji="0" lang="en-US" sz="1400" b="0" i="0" u="none" strike="noStrike" kern="1200" cap="none" spc="0" normalizeH="0" baseline="0" noProof="0" dirty="0">
+                <a:ln>
+                  <a:noFill/>
+                </a:ln>
+                <a:solidFill>
+                  <a:prstClr val="black"/>
+                </a:solidFill>
+                <a:effectLst/>
+                <a:uLnTx/>
+                <a:uFillTx/>
+                <a:latin typeface="Franklin Gothic Book" panose="020F0502020204030204"/>
+                <a:ea typeface="+mn-ea"/>
+                <a:cs typeface="+mn-cs"/>
+              </a:rPr>
+              <a:t>Split First and Second Director, drop any additional director information</a:t>
+            </a:r>
+          </a:p>
+          <a:p>
+            <a:pPr marL="285750" marR="0" lvl="0" indent="-285750" algn="l" defTabSz="914400" rtl="0" eaLnBrk="1" fontAlgn="auto" latinLnBrk="0" hangingPunct="1">
+              <a:lnSpc>
+                <a:spcPct val="100000"/>
+              </a:lnSpc>
+              <a:spcBef>
+                <a:spcPts val="0"/>
+              </a:spcBef>
+              <a:spcAft>
+                <a:spcPts val="0"/>
+              </a:spcAft>
+              <a:buClrTx/>
+              <a:buSzTx/>
+              <a:buFont typeface="Arial" panose="020B0604020202020204" pitchFamily="34" charset="0"/>
+              <a:buChar char="•"/>
+              <a:tabLst/>
+              <a:defRPr/>
+            </a:pPr>
+            <a:r>
+              <a:rPr kumimoji="0" lang="en-US" sz="1400" b="0" i="0" u="none" strike="noStrike" kern="1200" cap="none" spc="0" normalizeH="0" baseline="0" noProof="0" dirty="0">
+                <a:ln>
+                  <a:noFill/>
+                </a:ln>
+                <a:solidFill>
+                  <a:prstClr val="black"/>
+                </a:solidFill>
+                <a:effectLst/>
+                <a:uLnTx/>
+                <a:uFillTx/>
+                <a:latin typeface="Franklin Gothic Book" panose="020F0502020204030204"/>
+                <a:ea typeface="+mn-ea"/>
+                <a:cs typeface="+mn-cs"/>
+              </a:rPr>
+              <a:t>Convert streaming services cells to Booleans, then merge with main data frame. Drop redundant columns and remain headers as appropriate</a:t>
+            </a:r>
+          </a:p>
+          <a:p>
+            <a:pPr marL="285750" marR="0" lvl="0" indent="-285750" algn="l" defTabSz="914400" rtl="0" eaLnBrk="1" fontAlgn="auto" latinLnBrk="0" hangingPunct="1">
+              <a:lnSpc>
+                <a:spcPct val="100000"/>
+              </a:lnSpc>
+              <a:spcBef>
+                <a:spcPts val="0"/>
+              </a:spcBef>
+              <a:spcAft>
+                <a:spcPts val="0"/>
+              </a:spcAft>
+              <a:buClrTx/>
+              <a:buSzTx/>
+              <a:buFont typeface="Arial" panose="020B0604020202020204" pitchFamily="34" charset="0"/>
+              <a:buChar char="•"/>
+              <a:tabLst/>
+              <a:defRPr/>
+            </a:pPr>
+            <a:r>
+              <a:rPr kumimoji="0" lang="en-US" sz="1400" b="0" i="0" u="none" strike="noStrike" kern="1200" cap="none" spc="0" normalizeH="0" baseline="0" noProof="0" dirty="0">
+                <a:ln>
+                  <a:noFill/>
+                </a:ln>
+                <a:solidFill>
+                  <a:prstClr val="black"/>
+                </a:solidFill>
+                <a:effectLst/>
+                <a:uLnTx/>
+                <a:uFillTx/>
+                <a:latin typeface="Franklin Gothic Book" panose="020F0502020204030204"/>
+                <a:ea typeface="+mn-ea"/>
+                <a:cs typeface="+mn-cs"/>
+              </a:rPr>
+              <a:t>Split Location cell into Primary and Secondary Location, drop other locations</a:t>
+            </a:r>
+          </a:p>
+          <a:p>
+            <a:pPr marL="285750" marR="0" lvl="0" indent="-285750" algn="l" defTabSz="914400" rtl="0" eaLnBrk="1" fontAlgn="auto" latinLnBrk="0" hangingPunct="1">
+              <a:lnSpc>
+                <a:spcPct val="100000"/>
+              </a:lnSpc>
+              <a:spcBef>
+                <a:spcPts val="0"/>
+              </a:spcBef>
+              <a:spcAft>
+                <a:spcPts val="0"/>
+              </a:spcAft>
+              <a:buClrTx/>
+              <a:buSzTx/>
+              <a:buFont typeface="Arial" panose="020B0604020202020204" pitchFamily="34" charset="0"/>
+              <a:buChar char="•"/>
+              <a:tabLst/>
+              <a:defRPr/>
+            </a:pPr>
+            <a:r>
+              <a:rPr kumimoji="0" lang="en-US" sz="1400" b="0" i="0" u="none" strike="noStrike" kern="1200" cap="none" spc="0" normalizeH="0" baseline="0" noProof="0" dirty="0">
+                <a:ln>
+                  <a:noFill/>
+                </a:ln>
+                <a:solidFill>
+                  <a:prstClr val="black"/>
+                </a:solidFill>
+                <a:effectLst/>
+                <a:uLnTx/>
+                <a:uFillTx/>
+                <a:latin typeface="Franklin Gothic Book" panose="020F0502020204030204"/>
+                <a:ea typeface="+mn-ea"/>
+                <a:cs typeface="+mn-cs"/>
+              </a:rPr>
+              <a:t>Split Language into Primary and Secondary Language, drop other languages</a:t>
+            </a:r>
+          </a:p>
+          <a:p>
+            <a:pPr marL="285750" marR="0" lvl="0" indent="-285750" algn="l" defTabSz="914400" rtl="0" eaLnBrk="1" fontAlgn="auto" latinLnBrk="0" hangingPunct="1">
+              <a:lnSpc>
+                <a:spcPct val="100000"/>
+              </a:lnSpc>
+              <a:spcBef>
+                <a:spcPts val="0"/>
+              </a:spcBef>
+              <a:spcAft>
+                <a:spcPts val="0"/>
+              </a:spcAft>
+              <a:buClrTx/>
+              <a:buSzTx/>
+              <a:buFont typeface="Arial" panose="020B0604020202020204" pitchFamily="34" charset="0"/>
+              <a:buChar char="•"/>
+              <a:tabLst/>
+              <a:defRPr/>
+            </a:pPr>
+            <a:r>
+              <a:rPr kumimoji="0" lang="en-US" sz="1400" b="0" i="0" u="none" strike="noStrike" kern="1200" cap="none" spc="0" normalizeH="0" baseline="0" noProof="0" dirty="0">
+                <a:ln>
+                  <a:noFill/>
+                </a:ln>
+                <a:solidFill>
+                  <a:prstClr val="black"/>
+                </a:solidFill>
+                <a:effectLst/>
+                <a:uLnTx/>
+                <a:uFillTx/>
+                <a:latin typeface="Franklin Gothic Book" panose="020F0502020204030204"/>
+                <a:ea typeface="+mn-ea"/>
+                <a:cs typeface="+mn-cs"/>
+              </a:rPr>
+              <a:t>Split Genres into eight separate columns</a:t>
+            </a:r>
+          </a:p>
+          <a:p>
+            <a:pPr marL="285750" marR="0" lvl="0" indent="-285750" algn="l" defTabSz="914400" rtl="0" eaLnBrk="1" fontAlgn="auto" latinLnBrk="0" hangingPunct="1">
+              <a:lnSpc>
+                <a:spcPct val="100000"/>
+              </a:lnSpc>
+              <a:spcBef>
+                <a:spcPts val="0"/>
+              </a:spcBef>
+              <a:spcAft>
+                <a:spcPts val="0"/>
+              </a:spcAft>
+              <a:buClrTx/>
+              <a:buSzTx/>
+              <a:buFont typeface="Arial" panose="020B0604020202020204" pitchFamily="34" charset="0"/>
+              <a:buChar char="•"/>
+              <a:tabLst/>
+              <a:defRPr/>
+            </a:pPr>
+            <a:r>
+              <a:rPr kumimoji="0" lang="en-US" sz="1400" b="0" i="0" u="none" strike="noStrike" kern="1200" cap="none" spc="0" normalizeH="0" baseline="0" noProof="0" dirty="0">
+                <a:ln>
+                  <a:noFill/>
+                </a:ln>
+                <a:solidFill>
+                  <a:prstClr val="black"/>
+                </a:solidFill>
+                <a:effectLst/>
+                <a:uLnTx/>
+                <a:uFillTx/>
+                <a:latin typeface="Franklin Gothic Book" panose="020F0502020204030204"/>
+                <a:ea typeface="+mn-ea"/>
+                <a:cs typeface="+mn-cs"/>
+              </a:rPr>
+              <a:t>Validate column order for ease of use</a:t>
+            </a:r>
+          </a:p>
+        </p:txBody>
+      </p:sp>
+      <p:sp>
+        <p:nvSpPr>
+          <p:cNvPr id="3" name="TextBox 2">
+            <a:extLst>
+              <a:ext uri="{FF2B5EF4-FFF2-40B4-BE49-F238E27FC236}">
+                <a16:creationId xmlns:a16="http://schemas.microsoft.com/office/drawing/2014/main" id="{C45C8A24-066F-4E71-B76A-F639A2F988F1}"/>
+              </a:ext>
+            </a:extLst>
+          </p:cNvPr>
+          <p:cNvSpPr txBox="1"/>
+          <p:nvPr/>
+        </p:nvSpPr>
+        <p:spPr>
+          <a:xfrm>
+            <a:off x="4147864" y="831195"/>
+            <a:ext cx="4050791" cy="369332"/>
+          </a:xfrm>
+          <a:prstGeom prst="rect">
+            <a:avLst/>
+          </a:prstGeom>
+          <a:noFill/>
+        </p:spPr>
+        <p:txBody>
+          <a:bodyPr wrap="square" rtlCol="0">
+            <a:spAutoFit/>
+          </a:bodyPr>
+          <a:lstStyle/>
+          <a:p>
+            <a:r>
+              <a:rPr lang="en-US" b="1" dirty="0"/>
+              <a:t>Summary of Streaming Data Cleanse:</a:t>
+            </a:r>
+          </a:p>
+        </p:txBody>
+      </p:sp>
+      <p:sp>
+        <p:nvSpPr>
+          <p:cNvPr id="8" name="TextBox 7">
+            <a:extLst>
+              <a:ext uri="{FF2B5EF4-FFF2-40B4-BE49-F238E27FC236}">
+                <a16:creationId xmlns:a16="http://schemas.microsoft.com/office/drawing/2014/main" id="{F960F276-B204-4DD4-B603-34D9D5162535}"/>
+              </a:ext>
+            </a:extLst>
+          </p:cNvPr>
+          <p:cNvSpPr txBox="1"/>
+          <p:nvPr/>
+        </p:nvSpPr>
+        <p:spPr>
+          <a:xfrm>
+            <a:off x="4147864" y="3740424"/>
+            <a:ext cx="4050791" cy="369332"/>
+          </a:xfrm>
+          <a:prstGeom prst="rect">
+            <a:avLst/>
+          </a:prstGeom>
+          <a:noFill/>
+        </p:spPr>
+        <p:txBody>
+          <a:bodyPr wrap="square" rtlCol="0">
+            <a:spAutoFit/>
+          </a:bodyPr>
+          <a:lstStyle/>
+          <a:p>
+            <a:r>
+              <a:rPr lang="en-US" b="1" dirty="0"/>
+              <a:t>Challenges:</a:t>
+            </a:r>
+          </a:p>
+        </p:txBody>
+      </p:sp>
+      <p:sp>
+        <p:nvSpPr>
+          <p:cNvPr id="6" name="TextBox 5">
+            <a:extLst>
+              <a:ext uri="{FF2B5EF4-FFF2-40B4-BE49-F238E27FC236}">
+                <a16:creationId xmlns:a16="http://schemas.microsoft.com/office/drawing/2014/main" id="{7A806280-EE32-48B7-9545-1BA54615024B}"/>
+              </a:ext>
+            </a:extLst>
+          </p:cNvPr>
+          <p:cNvSpPr txBox="1"/>
+          <p:nvPr/>
+        </p:nvSpPr>
+        <p:spPr>
+          <a:xfrm>
+            <a:off x="4147864" y="4314326"/>
+            <a:ext cx="7463285" cy="1169551"/>
+          </a:xfrm>
+          <a:prstGeom prst="rect">
+            <a:avLst/>
+          </a:prstGeom>
+          <a:noFill/>
+        </p:spPr>
+        <p:txBody>
+          <a:bodyPr wrap="square" rtlCol="0">
+            <a:spAutoFit/>
+          </a:bodyPr>
+          <a:lstStyle/>
+          <a:p>
+            <a:r>
+              <a:rPr kumimoji="0" lang="en-US" sz="1400" b="0" i="0" u="none" strike="noStrike" kern="1200" cap="none" spc="0" normalizeH="0" baseline="0" noProof="0" dirty="0">
+                <a:ln>
+                  <a:noFill/>
+                </a:ln>
+                <a:solidFill>
+                  <a:prstClr val="black"/>
+                </a:solidFill>
+                <a:effectLst/>
+                <a:uLnTx/>
+                <a:uFillTx/>
+                <a:latin typeface="Franklin Gothic Book" panose="020F0502020204030204"/>
+                <a:ea typeface="+mn-ea"/>
+                <a:cs typeface="+mn-cs"/>
+              </a:rPr>
+              <a:t>The data contained cells with multiple data points separated by commas.  Some cells were not applicable for the team’s </a:t>
+            </a:r>
+            <a:r>
+              <a:rPr kumimoji="0" lang="en-US" sz="1400" b="0" i="0" u="none" strike="noStrike" kern="1200" cap="none" spc="0" normalizeH="0" baseline="0" noProof="0">
+                <a:ln>
+                  <a:noFill/>
+                </a:ln>
+                <a:solidFill>
+                  <a:prstClr val="black"/>
+                </a:solidFill>
+                <a:effectLst/>
+                <a:uLnTx/>
+                <a:uFillTx/>
+                <a:latin typeface="Franklin Gothic Book" panose="020F0502020204030204"/>
+                <a:ea typeface="+mn-ea"/>
+                <a:cs typeface="+mn-cs"/>
+              </a:rPr>
+              <a:t>analysis and thus </a:t>
+            </a:r>
+            <a:r>
+              <a:rPr kumimoji="0" lang="en-US" sz="1400" b="0" i="0" u="none" strike="noStrike" kern="1200" cap="none" spc="0" normalizeH="0" baseline="0" noProof="0" dirty="0">
+                <a:ln>
+                  <a:noFill/>
+                </a:ln>
+                <a:solidFill>
+                  <a:prstClr val="black"/>
+                </a:solidFill>
+                <a:effectLst/>
+                <a:uLnTx/>
+                <a:uFillTx/>
+                <a:latin typeface="Franklin Gothic Book" panose="020F0502020204030204"/>
+                <a:ea typeface="+mn-ea"/>
+                <a:cs typeface="+mn-cs"/>
+              </a:rPr>
+              <a:t>the decision was made to drop any additional data elements post the primary and secondary listing.  The exception was genre information which was split to populate eight new genre columns.  Due to the size of the database, 15mil rows, this section of code took in excess of an hour to run.</a:t>
+            </a:r>
+            <a:endParaRPr lang="en-US" sz="1400" dirty="0"/>
           </a:p>
         </p:txBody>
       </p:sp>
@@ -5255,6 +5649,1078 @@
         </p:nvSpPr>
         <p:spPr>
           <a:xfrm>
+            <a:off x="102742" y="516835"/>
+            <a:ext cx="3748950" cy="5772840"/>
+          </a:xfrm>
+        </p:spPr>
+        <p:txBody>
+          <a:bodyPr anchor="ctr">
+            <a:normAutofit/>
+          </a:bodyPr>
+          <a:lstStyle/>
+          <a:p>
+            <a:pPr algn="ctr"/>
+            <a:r>
+              <a:rPr lang="en-US" sz="3200" dirty="0">
+                <a:solidFill>
+                  <a:schemeClr val="bg1"/>
+                </a:solidFill>
+                <a:latin typeface="Broadway" panose="04040905080B02020502" pitchFamily="82" charset="0"/>
+              </a:rPr>
+              <a:t>Transformation</a:t>
+            </a:r>
+            <a:r>
+              <a:rPr lang="en-US" sz="3600" dirty="0">
+                <a:solidFill>
+                  <a:schemeClr val="bg1"/>
+                </a:solidFill>
+              </a:rPr>
+              <a:t>: </a:t>
+            </a:r>
+          </a:p>
+        </p:txBody>
+      </p:sp>
+      <p:sp>
+        <p:nvSpPr>
+          <p:cNvPr id="4" name="Content Placeholder 3">
+            <a:extLst>
+              <a:ext uri="{FF2B5EF4-FFF2-40B4-BE49-F238E27FC236}">
+                <a16:creationId xmlns:a16="http://schemas.microsoft.com/office/drawing/2014/main" id="{6FBBD25A-D8C1-4393-A4BA-C24D594B279B}"/>
+              </a:ext>
+            </a:extLst>
+          </p:cNvPr>
+          <p:cNvSpPr>
+            <a:spLocks noGrp="1"/>
+          </p:cNvSpPr>
+          <p:nvPr>
+            <p:ph idx="1"/>
+          </p:nvPr>
+        </p:nvSpPr>
+        <p:spPr>
+          <a:xfrm>
+            <a:off x="4147864" y="196851"/>
+            <a:ext cx="7365755" cy="807132"/>
+          </a:xfrm>
+        </p:spPr>
+        <p:txBody>
+          <a:bodyPr>
+            <a:noAutofit/>
+          </a:bodyPr>
+          <a:lstStyle/>
+          <a:p>
+            <a:r>
+              <a:rPr lang="en-US" sz="3200" dirty="0">
+                <a:solidFill>
+                  <a:schemeClr val="accent3"/>
+                </a:solidFill>
+                <a:latin typeface="Broadway" panose="04040905080B02020502" pitchFamily="82" charset="0"/>
+              </a:rPr>
+              <a:t>Data Cleanse:</a:t>
+            </a:r>
+          </a:p>
+        </p:txBody>
+      </p:sp>
+      <p:sp>
+        <p:nvSpPr>
+          <p:cNvPr id="5" name="TextBox 4">
+            <a:extLst>
+              <a:ext uri="{FF2B5EF4-FFF2-40B4-BE49-F238E27FC236}">
+                <a16:creationId xmlns:a16="http://schemas.microsoft.com/office/drawing/2014/main" id="{E1340135-CA43-42AC-9602-58079833243C}"/>
+              </a:ext>
+            </a:extLst>
+          </p:cNvPr>
+          <p:cNvSpPr txBox="1"/>
+          <p:nvPr/>
+        </p:nvSpPr>
+        <p:spPr>
+          <a:xfrm>
+            <a:off x="4147864" y="1341152"/>
+            <a:ext cx="7540208" cy="307777"/>
+          </a:xfrm>
+          <a:prstGeom prst="rect">
+            <a:avLst/>
+          </a:prstGeom>
+          <a:noFill/>
+        </p:spPr>
+        <p:txBody>
+          <a:bodyPr wrap="square" rtlCol="0">
+            <a:spAutoFit/>
+          </a:bodyPr>
+          <a:lstStyle/>
+          <a:p>
+            <a:pPr marL="285750" marR="0" lvl="0" indent="-285750" algn="l" defTabSz="914400" rtl="0" eaLnBrk="1" fontAlgn="auto" latinLnBrk="0" hangingPunct="1">
+              <a:lnSpc>
+                <a:spcPct val="100000"/>
+              </a:lnSpc>
+              <a:spcBef>
+                <a:spcPts val="0"/>
+              </a:spcBef>
+              <a:spcAft>
+                <a:spcPts val="0"/>
+              </a:spcAft>
+              <a:buClrTx/>
+              <a:buSzTx/>
+              <a:buFont typeface="Arial" panose="020B0604020202020204" pitchFamily="34" charset="0"/>
+              <a:buChar char="•"/>
+              <a:tabLst/>
+              <a:defRPr/>
+            </a:pPr>
+            <a:r>
+              <a:rPr kumimoji="0" lang="en-US" sz="1400" b="0" i="0" u="none" strike="noStrike" kern="1200" cap="none" spc="0" normalizeH="0" baseline="0" noProof="0" dirty="0">
+                <a:ln>
+                  <a:noFill/>
+                </a:ln>
+                <a:solidFill>
+                  <a:prstClr val="black"/>
+                </a:solidFill>
+                <a:effectLst/>
+                <a:uLnTx/>
+                <a:uFillTx/>
+                <a:latin typeface="Franklin Gothic Book" panose="020F0502020204030204"/>
+                <a:ea typeface="+mn-ea"/>
+                <a:cs typeface="+mn-cs"/>
+              </a:rPr>
+              <a:t>Summary Points</a:t>
+            </a:r>
+          </a:p>
+        </p:txBody>
+      </p:sp>
+      <p:sp>
+        <p:nvSpPr>
+          <p:cNvPr id="3" name="TextBox 2">
+            <a:extLst>
+              <a:ext uri="{FF2B5EF4-FFF2-40B4-BE49-F238E27FC236}">
+                <a16:creationId xmlns:a16="http://schemas.microsoft.com/office/drawing/2014/main" id="{C45C8A24-066F-4E71-B76A-F639A2F988F1}"/>
+              </a:ext>
+            </a:extLst>
+          </p:cNvPr>
+          <p:cNvSpPr txBox="1"/>
+          <p:nvPr/>
+        </p:nvSpPr>
+        <p:spPr>
+          <a:xfrm>
+            <a:off x="4147864" y="831195"/>
+            <a:ext cx="4050791" cy="369332"/>
+          </a:xfrm>
+          <a:prstGeom prst="rect">
+            <a:avLst/>
+          </a:prstGeom>
+          <a:noFill/>
+        </p:spPr>
+        <p:txBody>
+          <a:bodyPr wrap="square" rtlCol="0">
+            <a:spAutoFit/>
+          </a:bodyPr>
+          <a:lstStyle/>
+          <a:p>
+            <a:pPr marL="0" marR="0" lvl="0" indent="0" algn="l" defTabSz="914400" rtl="0" eaLnBrk="1" fontAlgn="auto" latinLnBrk="0" hangingPunct="1">
+              <a:lnSpc>
+                <a:spcPct val="100000"/>
+              </a:lnSpc>
+              <a:spcBef>
+                <a:spcPts val="0"/>
+              </a:spcBef>
+              <a:spcAft>
+                <a:spcPts val="0"/>
+              </a:spcAft>
+              <a:buClrTx/>
+              <a:buSzTx/>
+              <a:buFontTx/>
+              <a:buNone/>
+              <a:tabLst/>
+              <a:defRPr/>
+            </a:pPr>
+            <a:r>
+              <a:rPr kumimoji="0" lang="en-US" sz="1800" b="1" i="0" u="none" strike="noStrike" kern="1200" cap="none" spc="0" normalizeH="0" baseline="0" noProof="0" dirty="0">
+                <a:ln>
+                  <a:noFill/>
+                </a:ln>
+                <a:solidFill>
+                  <a:prstClr val="black"/>
+                </a:solidFill>
+                <a:effectLst/>
+                <a:uLnTx/>
+                <a:uFillTx/>
+                <a:latin typeface="Franklin Gothic Book" panose="020F0502020204030204"/>
+                <a:ea typeface="+mn-ea"/>
+                <a:cs typeface="+mn-cs"/>
+              </a:rPr>
+              <a:t>Summary of Awards Data Cleanse:</a:t>
+            </a:r>
+          </a:p>
+        </p:txBody>
+      </p:sp>
+      <p:sp>
+        <p:nvSpPr>
+          <p:cNvPr id="8" name="TextBox 7">
+            <a:extLst>
+              <a:ext uri="{FF2B5EF4-FFF2-40B4-BE49-F238E27FC236}">
+                <a16:creationId xmlns:a16="http://schemas.microsoft.com/office/drawing/2014/main" id="{F960F276-B204-4DD4-B603-34D9D5162535}"/>
+              </a:ext>
+            </a:extLst>
+          </p:cNvPr>
+          <p:cNvSpPr txBox="1"/>
+          <p:nvPr/>
+        </p:nvSpPr>
+        <p:spPr>
+          <a:xfrm>
+            <a:off x="4147864" y="3740424"/>
+            <a:ext cx="4050791" cy="369332"/>
+          </a:xfrm>
+          <a:prstGeom prst="rect">
+            <a:avLst/>
+          </a:prstGeom>
+          <a:noFill/>
+        </p:spPr>
+        <p:txBody>
+          <a:bodyPr wrap="square" rtlCol="0">
+            <a:spAutoFit/>
+          </a:bodyPr>
+          <a:lstStyle/>
+          <a:p>
+            <a:pPr marL="0" marR="0" lvl="0" indent="0" algn="l" defTabSz="914400" rtl="0" eaLnBrk="1" fontAlgn="auto" latinLnBrk="0" hangingPunct="1">
+              <a:lnSpc>
+                <a:spcPct val="100000"/>
+              </a:lnSpc>
+              <a:spcBef>
+                <a:spcPts val="0"/>
+              </a:spcBef>
+              <a:spcAft>
+                <a:spcPts val="0"/>
+              </a:spcAft>
+              <a:buClrTx/>
+              <a:buSzTx/>
+              <a:buFontTx/>
+              <a:buNone/>
+              <a:tabLst/>
+              <a:defRPr/>
+            </a:pPr>
+            <a:r>
+              <a:rPr kumimoji="0" lang="en-US" sz="1800" b="1" i="0" u="none" strike="noStrike" kern="1200" cap="none" spc="0" normalizeH="0" baseline="0" noProof="0" dirty="0">
+                <a:ln>
+                  <a:noFill/>
+                </a:ln>
+                <a:solidFill>
+                  <a:prstClr val="black"/>
+                </a:solidFill>
+                <a:effectLst/>
+                <a:uLnTx/>
+                <a:uFillTx/>
+                <a:latin typeface="Franklin Gothic Book" panose="020F0502020204030204"/>
+                <a:ea typeface="+mn-ea"/>
+                <a:cs typeface="+mn-cs"/>
+              </a:rPr>
+              <a:t>Challenges:</a:t>
+            </a:r>
+          </a:p>
+        </p:txBody>
+      </p:sp>
+      <p:sp>
+        <p:nvSpPr>
+          <p:cNvPr id="6" name="TextBox 5">
+            <a:extLst>
+              <a:ext uri="{FF2B5EF4-FFF2-40B4-BE49-F238E27FC236}">
+                <a16:creationId xmlns:a16="http://schemas.microsoft.com/office/drawing/2014/main" id="{7A806280-EE32-48B7-9545-1BA54615024B}"/>
+              </a:ext>
+            </a:extLst>
+          </p:cNvPr>
+          <p:cNvSpPr txBox="1"/>
+          <p:nvPr/>
+        </p:nvSpPr>
+        <p:spPr>
+          <a:xfrm>
+            <a:off x="4147864" y="4314326"/>
+            <a:ext cx="7463285" cy="307777"/>
+          </a:xfrm>
+          <a:prstGeom prst="rect">
+            <a:avLst/>
+          </a:prstGeom>
+          <a:noFill/>
+        </p:spPr>
+        <p:txBody>
+          <a:bodyPr wrap="square" rtlCol="0">
+            <a:spAutoFit/>
+          </a:bodyPr>
+          <a:lstStyle/>
+          <a:p>
+            <a:pPr marL="0" marR="0" lvl="0" indent="0" algn="l" defTabSz="914400" rtl="0" eaLnBrk="1" fontAlgn="auto" latinLnBrk="0" hangingPunct="1">
+              <a:lnSpc>
+                <a:spcPct val="100000"/>
+              </a:lnSpc>
+              <a:spcBef>
+                <a:spcPts val="0"/>
+              </a:spcBef>
+              <a:spcAft>
+                <a:spcPts val="0"/>
+              </a:spcAft>
+              <a:buClrTx/>
+              <a:buSzTx/>
+              <a:buFontTx/>
+              <a:buNone/>
+              <a:tabLst/>
+              <a:defRPr/>
+            </a:pPr>
+            <a:r>
+              <a:rPr kumimoji="0" lang="en-US" sz="1400" b="0" i="0" u="none" strike="noStrike" kern="1200" cap="none" spc="0" normalizeH="0" baseline="0" noProof="0" dirty="0">
+                <a:ln>
+                  <a:noFill/>
+                </a:ln>
+                <a:solidFill>
+                  <a:prstClr val="black"/>
+                </a:solidFill>
+                <a:effectLst/>
+                <a:uLnTx/>
+                <a:uFillTx/>
+                <a:latin typeface="Franklin Gothic Book" panose="020F0502020204030204"/>
+                <a:ea typeface="+mn-ea"/>
+                <a:cs typeface="+mn-cs"/>
+              </a:rPr>
+              <a:t>The data contained</a:t>
+            </a:r>
+          </a:p>
+        </p:txBody>
+      </p:sp>
+    </p:spTree>
+    <p:extLst>
+      <p:ext uri="{BB962C8B-B14F-4D97-AF65-F5344CB8AC3E}">
+        <p14:creationId xmlns:p14="http://schemas.microsoft.com/office/powerpoint/2010/main" val="384302215"/>
+      </p:ext>
+    </p:extLst>
+  </p:cSld>
+  <p:clrMapOvr>
+    <a:masterClrMapping/>
+  </p:clrMapOvr>
+</p:sld>
+</file>
+
+<file path=ppt/slides/slide6.xml><?xml version="1.0" encoding="utf-8"?>
+<p:sld xmlns:a="http://schemas.openxmlformats.org/drawingml/2006/main" xmlns:r="http://schemas.openxmlformats.org/officeDocument/2006/relationships" xmlns:p="http://schemas.openxmlformats.org/presentationml/2006/main">
+  <p:cSld>
+    <p:bg>
+      <p:bgPr>
+        <a:solidFill>
+          <a:schemeClr val="bg1"/>
+        </a:solidFill>
+        <a:effectLst/>
+      </p:bgPr>
+    </p:bg>
+    <p:spTree>
+      <p:nvGrpSpPr>
+        <p:cNvPr id="1" name=""/>
+        <p:cNvGrpSpPr/>
+        <p:nvPr/>
+      </p:nvGrpSpPr>
+      <p:grpSpPr>
+        <a:xfrm>
+          <a:off x="0" y="0"/>
+          <a:ext cx="0" cy="0"/>
+          <a:chOff x="0" y="0"/>
+          <a:chExt cx="0" cy="0"/>
+        </a:xfrm>
+      </p:grpSpPr>
+      <p:sp useBgFill="1">
+        <p:nvSpPr>
+          <p:cNvPr id="10" name="Rectangle 9">
+            <a:extLst>
+              <a:ext uri="{FF2B5EF4-FFF2-40B4-BE49-F238E27FC236}">
+                <a16:creationId xmlns:a16="http://schemas.microsoft.com/office/drawing/2014/main" id="{EE1530B0-6F96-46C0-8B3E-3215CB756BE4}"/>
+              </a:ext>
+              <a:ext uri="{C183D7F6-B498-43B3-948B-1728B52AA6E4}">
+                <adec:decorative xmlns:adec="http://schemas.microsoft.com/office/drawing/2017/decorative" val="1"/>
+              </a:ext>
+            </a:extLst>
+          </p:cNvPr>
+          <p:cNvSpPr>
+            <a:spLocks noGrp="1" noRot="1" noChangeAspect="1" noMove="1" noResize="1" noEditPoints="1" noAdjustHandles="1" noChangeArrowheads="1" noChangeShapeType="1" noTextEdit="1"/>
+          </p:cNvSpPr>
+          <p:nvPr>
+            <p:extLst>
+              <p:ext uri="{386F3935-93C4-4BCD-93E2-E3B085C9AB24}">
+                <p16:designElem xmlns:p16="http://schemas.microsoft.com/office/powerpoint/2015/main" val="1"/>
+              </p:ext>
+            </p:extLst>
+          </p:nvPr>
+        </p:nvSpPr>
+        <p:spPr>
+          <a:xfrm>
+            <a:off x="5685" y="0"/>
+            <a:ext cx="12186315" cy="6858000"/>
+          </a:xfrm>
+          <a:prstGeom prst="rect">
+            <a:avLst/>
+          </a:prstGeom>
+          <a:ln>
+            <a:noFill/>
+          </a:ln>
+        </p:spPr>
+        <p:style>
+          <a:lnRef idx="2">
+            <a:schemeClr val="accent6">
+              <a:shade val="50000"/>
+            </a:schemeClr>
+          </a:lnRef>
+          <a:fillRef idx="1001">
+            <a:schemeClr val="lt1"/>
+          </a:fillRef>
+          <a:effectRef idx="0">
+            <a:schemeClr val="accent6"/>
+          </a:effectRef>
+          <a:fontRef idx="minor">
+            <a:schemeClr val="lt1"/>
+          </a:fontRef>
+        </p:style>
+        <p:txBody>
+          <a:bodyPr rtlCol="0" anchor="ctr"/>
+          <a:lstStyle/>
+          <a:p>
+            <a:pPr marL="0" marR="0" lvl="0" indent="0" algn="ctr" defTabSz="914400" rtl="0" eaLnBrk="1" fontAlgn="auto" latinLnBrk="0" hangingPunct="1">
+              <a:lnSpc>
+                <a:spcPct val="100000"/>
+              </a:lnSpc>
+              <a:spcBef>
+                <a:spcPts val="0"/>
+              </a:spcBef>
+              <a:spcAft>
+                <a:spcPts val="0"/>
+              </a:spcAft>
+              <a:buClrTx/>
+              <a:buSzTx/>
+              <a:buFontTx/>
+              <a:buNone/>
+              <a:tabLst/>
+              <a:defRPr/>
+            </a:pPr>
+            <a:endParaRPr kumimoji="0" lang="en-US" sz="1800" b="0" i="0" u="none" strike="noStrike" kern="1200" cap="none" spc="0" normalizeH="0" baseline="0" noProof="0" dirty="0">
+              <a:ln>
+                <a:noFill/>
+              </a:ln>
+              <a:solidFill>
+                <a:prstClr val="white"/>
+              </a:solidFill>
+              <a:effectLst/>
+              <a:uLnTx/>
+              <a:uFillTx/>
+              <a:latin typeface="Franklin Gothic Book" panose="020F0502020204030204"/>
+              <a:ea typeface="+mn-ea"/>
+              <a:cs typeface="+mn-cs"/>
+            </a:endParaRPr>
+          </a:p>
+        </p:txBody>
+      </p:sp>
+      <p:sp>
+        <p:nvSpPr>
+          <p:cNvPr id="12" name="Rectangle 11">
+            <a:extLst>
+              <a:ext uri="{FF2B5EF4-FFF2-40B4-BE49-F238E27FC236}">
+                <a16:creationId xmlns:a16="http://schemas.microsoft.com/office/drawing/2014/main" id="{754910CF-1B56-45D3-960A-E89F7B3B9131}"/>
+              </a:ext>
+              <a:ext uri="{C183D7F6-B498-43B3-948B-1728B52AA6E4}">
+                <adec:decorative xmlns:adec="http://schemas.microsoft.com/office/drawing/2017/decorative" val="1"/>
+              </a:ext>
+            </a:extLst>
+          </p:cNvPr>
+          <p:cNvSpPr>
+            <a:spLocks noGrp="1" noRot="1" noChangeAspect="1" noMove="1" noResize="1" noEditPoints="1" noAdjustHandles="1" noChangeArrowheads="1" noChangeShapeType="1" noTextEdit="1"/>
+          </p:cNvSpPr>
+          <p:nvPr>
+            <p:extLst>
+              <p:ext uri="{386F3935-93C4-4BCD-93E2-E3B085C9AB24}">
+                <p16:designElem xmlns:p16="http://schemas.microsoft.com/office/powerpoint/2015/main" val="1"/>
+              </p:ext>
+            </p:extLst>
+          </p:nvPr>
+        </p:nvSpPr>
+        <p:spPr>
+          <a:xfrm>
+            <a:off x="16" y="0"/>
+            <a:ext cx="4050791" cy="6858000"/>
+          </a:xfrm>
+          <a:prstGeom prst="rect">
+            <a:avLst/>
+          </a:prstGeom>
+          <a:solidFill>
+            <a:schemeClr val="tx1">
+              <a:lumMod val="85000"/>
+              <a:lumOff val="15000"/>
+            </a:schemeClr>
+          </a:solidFill>
+          <a:ln>
+            <a:noFill/>
+          </a:ln>
+        </p:spPr>
+        <p:style>
+          <a:lnRef idx="2">
+            <a:schemeClr val="accent1">
+              <a:shade val="50000"/>
+            </a:schemeClr>
+          </a:lnRef>
+          <a:fillRef idx="1">
+            <a:schemeClr val="accent1"/>
+          </a:fillRef>
+          <a:effectRef idx="0">
+            <a:schemeClr val="accent1"/>
+          </a:effectRef>
+          <a:fontRef idx="minor">
+            <a:schemeClr val="lt1"/>
+          </a:fontRef>
+        </p:style>
+      </p:sp>
+      <p:sp>
+        <p:nvSpPr>
+          <p:cNvPr id="2" name="Title 1">
+            <a:extLst>
+              <a:ext uri="{FF2B5EF4-FFF2-40B4-BE49-F238E27FC236}">
+                <a16:creationId xmlns:a16="http://schemas.microsoft.com/office/drawing/2014/main" id="{0AE422CB-EBC9-4703-870C-8981A495893A}"/>
+              </a:ext>
+            </a:extLst>
+          </p:cNvPr>
+          <p:cNvSpPr>
+            <a:spLocks noGrp="1"/>
+          </p:cNvSpPr>
+          <p:nvPr>
+            <p:ph type="title"/>
+          </p:nvPr>
+        </p:nvSpPr>
+        <p:spPr>
+          <a:xfrm>
+            <a:off x="102742" y="516835"/>
+            <a:ext cx="3748950" cy="5772840"/>
+          </a:xfrm>
+        </p:spPr>
+        <p:txBody>
+          <a:bodyPr anchor="ctr">
+            <a:normAutofit/>
+          </a:bodyPr>
+          <a:lstStyle/>
+          <a:p>
+            <a:pPr algn="ctr"/>
+            <a:r>
+              <a:rPr lang="en-US" sz="3200" dirty="0">
+                <a:solidFill>
+                  <a:schemeClr val="bg1"/>
+                </a:solidFill>
+                <a:latin typeface="Broadway" panose="04040905080B02020502" pitchFamily="82" charset="0"/>
+              </a:rPr>
+              <a:t>Transformation</a:t>
+            </a:r>
+            <a:r>
+              <a:rPr lang="en-US" sz="3600" dirty="0">
+                <a:solidFill>
+                  <a:schemeClr val="bg1"/>
+                </a:solidFill>
+              </a:rPr>
+              <a:t>: </a:t>
+            </a:r>
+          </a:p>
+        </p:txBody>
+      </p:sp>
+      <p:sp>
+        <p:nvSpPr>
+          <p:cNvPr id="4" name="Content Placeholder 3">
+            <a:extLst>
+              <a:ext uri="{FF2B5EF4-FFF2-40B4-BE49-F238E27FC236}">
+                <a16:creationId xmlns:a16="http://schemas.microsoft.com/office/drawing/2014/main" id="{6FBBD25A-D8C1-4393-A4BA-C24D594B279B}"/>
+              </a:ext>
+            </a:extLst>
+          </p:cNvPr>
+          <p:cNvSpPr>
+            <a:spLocks noGrp="1"/>
+          </p:cNvSpPr>
+          <p:nvPr>
+            <p:ph idx="1"/>
+          </p:nvPr>
+        </p:nvSpPr>
+        <p:spPr>
+          <a:xfrm>
+            <a:off x="4147864" y="196851"/>
+            <a:ext cx="7365755" cy="807132"/>
+          </a:xfrm>
+        </p:spPr>
+        <p:txBody>
+          <a:bodyPr>
+            <a:noAutofit/>
+          </a:bodyPr>
+          <a:lstStyle/>
+          <a:p>
+            <a:r>
+              <a:rPr lang="en-US" sz="3200" dirty="0">
+                <a:solidFill>
+                  <a:schemeClr val="accent3"/>
+                </a:solidFill>
+                <a:latin typeface="Broadway" panose="04040905080B02020502" pitchFamily="82" charset="0"/>
+              </a:rPr>
+              <a:t>Data Joins:</a:t>
+            </a:r>
+          </a:p>
+        </p:txBody>
+      </p:sp>
+      <p:sp>
+        <p:nvSpPr>
+          <p:cNvPr id="5" name="TextBox 4">
+            <a:extLst>
+              <a:ext uri="{FF2B5EF4-FFF2-40B4-BE49-F238E27FC236}">
+                <a16:creationId xmlns:a16="http://schemas.microsoft.com/office/drawing/2014/main" id="{E1340135-CA43-42AC-9602-58079833243C}"/>
+              </a:ext>
+            </a:extLst>
+          </p:cNvPr>
+          <p:cNvSpPr txBox="1"/>
+          <p:nvPr/>
+        </p:nvSpPr>
+        <p:spPr>
+          <a:xfrm>
+            <a:off x="4147864" y="1341152"/>
+            <a:ext cx="7540208" cy="307777"/>
+          </a:xfrm>
+          <a:prstGeom prst="rect">
+            <a:avLst/>
+          </a:prstGeom>
+          <a:noFill/>
+        </p:spPr>
+        <p:txBody>
+          <a:bodyPr wrap="square" rtlCol="0">
+            <a:spAutoFit/>
+          </a:bodyPr>
+          <a:lstStyle/>
+          <a:p>
+            <a:pPr marR="0" lvl="0" algn="l" defTabSz="914400" rtl="0" eaLnBrk="1" fontAlgn="auto" latinLnBrk="0" hangingPunct="1">
+              <a:lnSpc>
+                <a:spcPct val="100000"/>
+              </a:lnSpc>
+              <a:spcBef>
+                <a:spcPts val="0"/>
+              </a:spcBef>
+              <a:spcAft>
+                <a:spcPts val="0"/>
+              </a:spcAft>
+              <a:buClrTx/>
+              <a:buSzTx/>
+              <a:tabLst/>
+              <a:defRPr/>
+            </a:pPr>
+            <a:r>
+              <a:rPr lang="en-US" sz="1400" dirty="0">
+                <a:solidFill>
+                  <a:prstClr val="black"/>
+                </a:solidFill>
+                <a:latin typeface="Franklin Gothic Book" panose="020F0502020204030204"/>
+              </a:rPr>
+              <a:t>Text</a:t>
+            </a:r>
+            <a:endParaRPr kumimoji="0" lang="en-US" sz="1400" b="0" i="0" u="none" strike="noStrike" kern="1200" cap="none" spc="0" normalizeH="0" baseline="0" noProof="0" dirty="0">
+              <a:ln>
+                <a:noFill/>
+              </a:ln>
+              <a:solidFill>
+                <a:prstClr val="black"/>
+              </a:solidFill>
+              <a:effectLst/>
+              <a:uLnTx/>
+              <a:uFillTx/>
+              <a:latin typeface="Franklin Gothic Book" panose="020F0502020204030204"/>
+              <a:ea typeface="+mn-ea"/>
+              <a:cs typeface="+mn-cs"/>
+            </a:endParaRPr>
+          </a:p>
+        </p:txBody>
+      </p:sp>
+      <p:sp>
+        <p:nvSpPr>
+          <p:cNvPr id="3" name="TextBox 2">
+            <a:extLst>
+              <a:ext uri="{FF2B5EF4-FFF2-40B4-BE49-F238E27FC236}">
+                <a16:creationId xmlns:a16="http://schemas.microsoft.com/office/drawing/2014/main" id="{C45C8A24-066F-4E71-B76A-F639A2F988F1}"/>
+              </a:ext>
+            </a:extLst>
+          </p:cNvPr>
+          <p:cNvSpPr txBox="1"/>
+          <p:nvPr/>
+        </p:nvSpPr>
+        <p:spPr>
+          <a:xfrm>
+            <a:off x="4147864" y="831195"/>
+            <a:ext cx="4050791" cy="369332"/>
+          </a:xfrm>
+          <a:prstGeom prst="rect">
+            <a:avLst/>
+          </a:prstGeom>
+          <a:noFill/>
+        </p:spPr>
+        <p:txBody>
+          <a:bodyPr wrap="square" rtlCol="0">
+            <a:spAutoFit/>
+          </a:bodyPr>
+          <a:lstStyle/>
+          <a:p>
+            <a:pPr marL="0" marR="0" lvl="0" indent="0" algn="l" defTabSz="914400" rtl="0" eaLnBrk="1" fontAlgn="auto" latinLnBrk="0" hangingPunct="1">
+              <a:lnSpc>
+                <a:spcPct val="100000"/>
+              </a:lnSpc>
+              <a:spcBef>
+                <a:spcPts val="0"/>
+              </a:spcBef>
+              <a:spcAft>
+                <a:spcPts val="0"/>
+              </a:spcAft>
+              <a:buClrTx/>
+              <a:buSzTx/>
+              <a:buFontTx/>
+              <a:buNone/>
+              <a:tabLst/>
+              <a:defRPr/>
+            </a:pPr>
+            <a:r>
+              <a:rPr kumimoji="0" lang="en-US" sz="1800" b="1" i="0" u="none" strike="noStrike" kern="1200" cap="none" spc="0" normalizeH="0" baseline="0" noProof="0" dirty="0">
+                <a:ln>
+                  <a:noFill/>
+                </a:ln>
+                <a:solidFill>
+                  <a:prstClr val="black"/>
+                </a:solidFill>
+                <a:effectLst/>
+                <a:uLnTx/>
+                <a:uFillTx/>
+                <a:latin typeface="Franklin Gothic Book" panose="020F0502020204030204"/>
+                <a:ea typeface="+mn-ea"/>
+                <a:cs typeface="+mn-cs"/>
+              </a:rPr>
+              <a:t>Heading:</a:t>
+            </a:r>
+          </a:p>
+        </p:txBody>
+      </p:sp>
+      <p:sp>
+        <p:nvSpPr>
+          <p:cNvPr id="8" name="TextBox 7">
+            <a:extLst>
+              <a:ext uri="{FF2B5EF4-FFF2-40B4-BE49-F238E27FC236}">
+                <a16:creationId xmlns:a16="http://schemas.microsoft.com/office/drawing/2014/main" id="{F960F276-B204-4DD4-B603-34D9D5162535}"/>
+              </a:ext>
+            </a:extLst>
+          </p:cNvPr>
+          <p:cNvSpPr txBox="1"/>
+          <p:nvPr/>
+        </p:nvSpPr>
+        <p:spPr>
+          <a:xfrm>
+            <a:off x="4147864" y="3740424"/>
+            <a:ext cx="4050791" cy="369332"/>
+          </a:xfrm>
+          <a:prstGeom prst="rect">
+            <a:avLst/>
+          </a:prstGeom>
+          <a:noFill/>
+        </p:spPr>
+        <p:txBody>
+          <a:bodyPr wrap="square" rtlCol="0">
+            <a:spAutoFit/>
+          </a:bodyPr>
+          <a:lstStyle/>
+          <a:p>
+            <a:pPr marL="0" marR="0" lvl="0" indent="0" algn="l" defTabSz="914400" rtl="0" eaLnBrk="1" fontAlgn="auto" latinLnBrk="0" hangingPunct="1">
+              <a:lnSpc>
+                <a:spcPct val="100000"/>
+              </a:lnSpc>
+              <a:spcBef>
+                <a:spcPts val="0"/>
+              </a:spcBef>
+              <a:spcAft>
+                <a:spcPts val="0"/>
+              </a:spcAft>
+              <a:buClrTx/>
+              <a:buSzTx/>
+              <a:buFontTx/>
+              <a:buNone/>
+              <a:tabLst/>
+              <a:defRPr/>
+            </a:pPr>
+            <a:r>
+              <a:rPr kumimoji="0" lang="en-US" sz="1800" b="1" i="0" u="none" strike="noStrike" kern="1200" cap="none" spc="0" normalizeH="0" baseline="0" noProof="0" dirty="0">
+                <a:ln>
+                  <a:noFill/>
+                </a:ln>
+                <a:solidFill>
+                  <a:prstClr val="black"/>
+                </a:solidFill>
+                <a:effectLst/>
+                <a:uLnTx/>
+                <a:uFillTx/>
+                <a:latin typeface="Franklin Gothic Book" panose="020F0502020204030204"/>
+                <a:ea typeface="+mn-ea"/>
+                <a:cs typeface="+mn-cs"/>
+              </a:rPr>
+              <a:t>Heading:</a:t>
+            </a:r>
+          </a:p>
+        </p:txBody>
+      </p:sp>
+      <p:sp>
+        <p:nvSpPr>
+          <p:cNvPr id="6" name="TextBox 5">
+            <a:extLst>
+              <a:ext uri="{FF2B5EF4-FFF2-40B4-BE49-F238E27FC236}">
+                <a16:creationId xmlns:a16="http://schemas.microsoft.com/office/drawing/2014/main" id="{7A806280-EE32-48B7-9545-1BA54615024B}"/>
+              </a:ext>
+            </a:extLst>
+          </p:cNvPr>
+          <p:cNvSpPr txBox="1"/>
+          <p:nvPr/>
+        </p:nvSpPr>
+        <p:spPr>
+          <a:xfrm>
+            <a:off x="4147864" y="4314326"/>
+            <a:ext cx="7463285" cy="307777"/>
+          </a:xfrm>
+          <a:prstGeom prst="rect">
+            <a:avLst/>
+          </a:prstGeom>
+          <a:noFill/>
+        </p:spPr>
+        <p:txBody>
+          <a:bodyPr wrap="square" rtlCol="0">
+            <a:spAutoFit/>
+          </a:bodyPr>
+          <a:lstStyle/>
+          <a:p>
+            <a:pPr marL="0" marR="0" lvl="0" indent="0" algn="l" defTabSz="914400" rtl="0" eaLnBrk="1" fontAlgn="auto" latinLnBrk="0" hangingPunct="1">
+              <a:lnSpc>
+                <a:spcPct val="100000"/>
+              </a:lnSpc>
+              <a:spcBef>
+                <a:spcPts val="0"/>
+              </a:spcBef>
+              <a:spcAft>
+                <a:spcPts val="0"/>
+              </a:spcAft>
+              <a:buClrTx/>
+              <a:buSzTx/>
+              <a:buFontTx/>
+              <a:buNone/>
+              <a:tabLst/>
+              <a:defRPr/>
+            </a:pPr>
+            <a:r>
+              <a:rPr kumimoji="0" lang="en-US" sz="1400" b="0" i="0" u="none" strike="noStrike" kern="1200" cap="none" spc="0" normalizeH="0" baseline="0" noProof="0" dirty="0">
+                <a:ln>
+                  <a:noFill/>
+                </a:ln>
+                <a:solidFill>
+                  <a:prstClr val="black"/>
+                </a:solidFill>
+                <a:effectLst/>
+                <a:uLnTx/>
+                <a:uFillTx/>
+                <a:latin typeface="Franklin Gothic Book" panose="020F0502020204030204"/>
+                <a:ea typeface="+mn-ea"/>
+                <a:cs typeface="+mn-cs"/>
+              </a:rPr>
+              <a:t>Text</a:t>
+            </a:r>
+          </a:p>
+        </p:txBody>
+      </p:sp>
+    </p:spTree>
+    <p:extLst>
+      <p:ext uri="{BB962C8B-B14F-4D97-AF65-F5344CB8AC3E}">
+        <p14:creationId xmlns:p14="http://schemas.microsoft.com/office/powerpoint/2010/main" val="3838111713"/>
+      </p:ext>
+    </p:extLst>
+  </p:cSld>
+  <p:clrMapOvr>
+    <a:masterClrMapping/>
+  </p:clrMapOvr>
+</p:sld>
+</file>
+
+<file path=ppt/slides/slide7.xml><?xml version="1.0" encoding="utf-8"?>
+<p:sld xmlns:a="http://schemas.openxmlformats.org/drawingml/2006/main" xmlns:r="http://schemas.openxmlformats.org/officeDocument/2006/relationships" xmlns:p="http://schemas.openxmlformats.org/presentationml/2006/main">
+  <p:cSld>
+    <p:bg>
+      <p:bgPr>
+        <a:solidFill>
+          <a:schemeClr val="bg1"/>
+        </a:solidFill>
+        <a:effectLst/>
+      </p:bgPr>
+    </p:bg>
+    <p:spTree>
+      <p:nvGrpSpPr>
+        <p:cNvPr id="1" name=""/>
+        <p:cNvGrpSpPr/>
+        <p:nvPr/>
+      </p:nvGrpSpPr>
+      <p:grpSpPr>
+        <a:xfrm>
+          <a:off x="0" y="0"/>
+          <a:ext cx="0" cy="0"/>
+          <a:chOff x="0" y="0"/>
+          <a:chExt cx="0" cy="0"/>
+        </a:xfrm>
+      </p:grpSpPr>
+      <p:sp useBgFill="1">
+        <p:nvSpPr>
+          <p:cNvPr id="10" name="Rectangle 9">
+            <a:extLst>
+              <a:ext uri="{FF2B5EF4-FFF2-40B4-BE49-F238E27FC236}">
+                <a16:creationId xmlns:a16="http://schemas.microsoft.com/office/drawing/2014/main" id="{EE1530B0-6F96-46C0-8B3E-3215CB756BE4}"/>
+              </a:ext>
+              <a:ext uri="{C183D7F6-B498-43B3-948B-1728B52AA6E4}">
+                <adec:decorative xmlns:adec="http://schemas.microsoft.com/office/drawing/2017/decorative" val="1"/>
+              </a:ext>
+            </a:extLst>
+          </p:cNvPr>
+          <p:cNvSpPr>
+            <a:spLocks noGrp="1" noRot="1" noChangeAspect="1" noMove="1" noResize="1" noEditPoints="1" noAdjustHandles="1" noChangeArrowheads="1" noChangeShapeType="1" noTextEdit="1"/>
+          </p:cNvSpPr>
+          <p:nvPr>
+            <p:extLst>
+              <p:ext uri="{386F3935-93C4-4BCD-93E2-E3B085C9AB24}">
+                <p16:designElem xmlns:p16="http://schemas.microsoft.com/office/powerpoint/2015/main" val="1"/>
+              </p:ext>
+            </p:extLst>
+          </p:nvPr>
+        </p:nvSpPr>
+        <p:spPr>
+          <a:xfrm>
+            <a:off x="5685" y="0"/>
+            <a:ext cx="12186315" cy="6858000"/>
+          </a:xfrm>
+          <a:prstGeom prst="rect">
+            <a:avLst/>
+          </a:prstGeom>
+          <a:ln>
+            <a:noFill/>
+          </a:ln>
+        </p:spPr>
+        <p:style>
+          <a:lnRef idx="2">
+            <a:schemeClr val="accent6">
+              <a:shade val="50000"/>
+            </a:schemeClr>
+          </a:lnRef>
+          <a:fillRef idx="1001">
+            <a:schemeClr val="lt1"/>
+          </a:fillRef>
+          <a:effectRef idx="0">
+            <a:schemeClr val="accent6"/>
+          </a:effectRef>
+          <a:fontRef idx="minor">
+            <a:schemeClr val="lt1"/>
+          </a:fontRef>
+        </p:style>
+        <p:txBody>
+          <a:bodyPr rtlCol="0" anchor="ctr"/>
+          <a:lstStyle/>
+          <a:p>
+            <a:pPr marL="0" marR="0" lvl="0" indent="0" algn="ctr" defTabSz="914400" rtl="0" eaLnBrk="1" fontAlgn="auto" latinLnBrk="0" hangingPunct="1">
+              <a:lnSpc>
+                <a:spcPct val="100000"/>
+              </a:lnSpc>
+              <a:spcBef>
+                <a:spcPts val="0"/>
+              </a:spcBef>
+              <a:spcAft>
+                <a:spcPts val="0"/>
+              </a:spcAft>
+              <a:buClrTx/>
+              <a:buSzTx/>
+              <a:buFontTx/>
+              <a:buNone/>
+              <a:tabLst/>
+              <a:defRPr/>
+            </a:pPr>
+            <a:endParaRPr kumimoji="0" lang="en-US" sz="1800" b="0" i="0" u="none" strike="noStrike" kern="1200" cap="none" spc="0" normalizeH="0" baseline="0" noProof="0" dirty="0">
+              <a:ln>
+                <a:noFill/>
+              </a:ln>
+              <a:solidFill>
+                <a:prstClr val="white"/>
+              </a:solidFill>
+              <a:effectLst/>
+              <a:uLnTx/>
+              <a:uFillTx/>
+              <a:latin typeface="Franklin Gothic Book" panose="020F0502020204030204"/>
+              <a:ea typeface="+mn-ea"/>
+              <a:cs typeface="+mn-cs"/>
+            </a:endParaRPr>
+          </a:p>
+        </p:txBody>
+      </p:sp>
+      <p:sp>
+        <p:nvSpPr>
+          <p:cNvPr id="12" name="Rectangle 11">
+            <a:extLst>
+              <a:ext uri="{FF2B5EF4-FFF2-40B4-BE49-F238E27FC236}">
+                <a16:creationId xmlns:a16="http://schemas.microsoft.com/office/drawing/2014/main" id="{754910CF-1B56-45D3-960A-E89F7B3B9131}"/>
+              </a:ext>
+              <a:ext uri="{C183D7F6-B498-43B3-948B-1728B52AA6E4}">
+                <adec:decorative xmlns:adec="http://schemas.microsoft.com/office/drawing/2017/decorative" val="1"/>
+              </a:ext>
+            </a:extLst>
+          </p:cNvPr>
+          <p:cNvSpPr>
+            <a:spLocks noGrp="1" noRot="1" noChangeAspect="1" noMove="1" noResize="1" noEditPoints="1" noAdjustHandles="1" noChangeArrowheads="1" noChangeShapeType="1" noTextEdit="1"/>
+          </p:cNvSpPr>
+          <p:nvPr>
+            <p:extLst>
+              <p:ext uri="{386F3935-93C4-4BCD-93E2-E3B085C9AB24}">
+                <p16:designElem xmlns:p16="http://schemas.microsoft.com/office/powerpoint/2015/main" val="1"/>
+              </p:ext>
+            </p:extLst>
+          </p:nvPr>
+        </p:nvSpPr>
+        <p:spPr>
+          <a:xfrm>
+            <a:off x="16" y="0"/>
+            <a:ext cx="4050791" cy="6858000"/>
+          </a:xfrm>
+          <a:prstGeom prst="rect">
+            <a:avLst/>
+          </a:prstGeom>
+          <a:solidFill>
+            <a:schemeClr val="tx1">
+              <a:lumMod val="85000"/>
+              <a:lumOff val="15000"/>
+            </a:schemeClr>
+          </a:solidFill>
+          <a:ln>
+            <a:noFill/>
+          </a:ln>
+        </p:spPr>
+        <p:style>
+          <a:lnRef idx="2">
+            <a:schemeClr val="accent1">
+              <a:shade val="50000"/>
+            </a:schemeClr>
+          </a:lnRef>
+          <a:fillRef idx="1">
+            <a:schemeClr val="accent1"/>
+          </a:fillRef>
+          <a:effectRef idx="0">
+            <a:schemeClr val="accent1"/>
+          </a:effectRef>
+          <a:fontRef idx="minor">
+            <a:schemeClr val="lt1"/>
+          </a:fontRef>
+        </p:style>
+      </p:sp>
+      <p:sp>
+        <p:nvSpPr>
+          <p:cNvPr id="2" name="Title 1">
+            <a:extLst>
+              <a:ext uri="{FF2B5EF4-FFF2-40B4-BE49-F238E27FC236}">
+                <a16:creationId xmlns:a16="http://schemas.microsoft.com/office/drawing/2014/main" id="{0AE422CB-EBC9-4703-870C-8981A495893A}"/>
+              </a:ext>
+            </a:extLst>
+          </p:cNvPr>
+          <p:cNvSpPr>
+            <a:spLocks noGrp="1"/>
+          </p:cNvSpPr>
+          <p:nvPr>
+            <p:ph type="title"/>
+          </p:nvPr>
+        </p:nvSpPr>
+        <p:spPr>
+          <a:xfrm>
             <a:off x="492370" y="516835"/>
             <a:ext cx="3084844" cy="5772840"/>
           </a:xfrm>
@@ -5404,7 +6870,7 @@
 </p:sld>
 </file>
 
-<file path=ppt/slides/slide6.xml><?xml version="1.0" encoding="utf-8"?>
+<file path=ppt/slides/slide8.xml><?xml version="1.0" encoding="utf-8"?>
 <p:sld xmlns:a="http://schemas.openxmlformats.org/drawingml/2006/main" xmlns:r="http://schemas.openxmlformats.org/officeDocument/2006/relationships" xmlns:p="http://schemas.openxmlformats.org/presentationml/2006/main">
   <p:cSld>
     <p:bg>
@@ -6070,24 +7536,6 @@
 </file>
 
 <file path=customXml/item1.xml><?xml version="1.0" encoding="utf-8"?>
-<p:properties xmlns:p="http://schemas.microsoft.com/office/2006/metadata/properties" xmlns:xsi="http://www.w3.org/2001/XMLSchema-instance" xmlns:pc="http://schemas.microsoft.com/office/infopath/2007/PartnerControls">
-  <documentManagement>
-    <Status xmlns="71af3243-3dd4-4a8d-8c0d-dd76da1f02a5">Not started</Status>
-    <MediaServiceKeyPoints xmlns="71af3243-3dd4-4a8d-8c0d-dd76da1f02a5" xsi:nil="true"/>
-  </documentManagement>
-</p:properties>
-</file>
-
-<file path=customXml/item2.xml><?xml version="1.0" encoding="utf-8"?>
-<?mso-contentType ?>
-<FormTemplates xmlns="http://schemas.microsoft.com/sharepoint/v3/contenttype/forms">
-  <Display>DocumentLibraryForm</Display>
-  <Edit>DocumentLibraryForm</Edit>
-  <New>DocumentLibraryForm</New>
-</FormTemplates>
-</file>
-
-<file path=customXml/item3.xml><?xml version="1.0" encoding="utf-8"?>
 <ct:contentTypeSchema xmlns:ct="http://schemas.microsoft.com/office/2006/metadata/contentType" xmlns:ma="http://schemas.microsoft.com/office/2006/metadata/properties/metaAttributes" ct:_="" ma:_="" ma:contentTypeName="Document" ma:contentTypeID="0x01010079F111ED35F8CC479449609E8A0923A6" ma:contentTypeVersion="12" ma:contentTypeDescription="Create a new document." ma:contentTypeScope="" ma:versionID="426e97fa315356fffbdcd9876fe988c2">
   <xsd:schema xmlns:xsd="http://www.w3.org/2001/XMLSchema" xmlns:xs="http://www.w3.org/2001/XMLSchema" xmlns:p="http://schemas.microsoft.com/office/2006/metadata/properties" xmlns:ns2="71af3243-3dd4-4a8d-8c0d-dd76da1f02a5" xmlns:ns3="16c05727-aa75-4e4a-9b5f-8a80a1165891" targetNamespace="http://schemas.microsoft.com/office/2006/metadata/properties" ma:root="true" ma:fieldsID="14b8f0def80e6d70ce3def20c90759ae" ns2:_="" ns3:_="">
     <xsd:import namespace="71af3243-3dd4-4a8d-8c0d-dd76da1f02a5"/>
@@ -6308,25 +7756,25 @@
 </ct:contentTypeSchema>
 </file>
 
-<file path=customXml/itemProps1.xml><?xml version="1.0" encoding="utf-8"?>
-<ds:datastoreItem xmlns:ds="http://schemas.openxmlformats.org/officeDocument/2006/customXml" ds:itemID="{84F503EC-3FFF-4193-A86F-39150E2BAC75}">
-  <ds:schemaRefs>
-    <ds:schemaRef ds:uri="http://schemas.microsoft.com/office/2006/metadata/properties"/>
-    <ds:schemaRef ds:uri="http://schemas.microsoft.com/office/infopath/2007/PartnerControls"/>
-    <ds:schemaRef ds:uri="71af3243-3dd4-4a8d-8c0d-dd76da1f02a5"/>
-  </ds:schemaRefs>
-</ds:datastoreItem>
+<file path=customXml/item2.xml><?xml version="1.0" encoding="utf-8"?>
+<?mso-contentType ?>
+<FormTemplates xmlns="http://schemas.microsoft.com/sharepoint/v3/contenttype/forms">
+  <Display>DocumentLibraryForm</Display>
+  <Edit>DocumentLibraryForm</Edit>
+  <New>DocumentLibraryForm</New>
+</FormTemplates>
 </file>
 
-<file path=customXml/itemProps2.xml><?xml version="1.0" encoding="utf-8"?>
-<ds:datastoreItem xmlns:ds="http://schemas.openxmlformats.org/officeDocument/2006/customXml" ds:itemID="{2E5ECA37-C458-4BA2-A090-D7A19E07B434}">
-  <ds:schemaRefs>
-    <ds:schemaRef ds:uri="http://schemas.microsoft.com/sharepoint/v3/contenttype/forms"/>
-  </ds:schemaRefs>
-</ds:datastoreItem>
+<file path=customXml/item3.xml><?xml version="1.0" encoding="utf-8"?>
+<p:properties xmlns:p="http://schemas.microsoft.com/office/2006/metadata/properties" xmlns:xsi="http://www.w3.org/2001/XMLSchema-instance" xmlns:pc="http://schemas.microsoft.com/office/infopath/2007/PartnerControls">
+  <documentManagement>
+    <Status xmlns="71af3243-3dd4-4a8d-8c0d-dd76da1f02a5">Not started</Status>
+    <MediaServiceKeyPoints xmlns="71af3243-3dd4-4a8d-8c0d-dd76da1f02a5" xsi:nil="true"/>
+  </documentManagement>
+</p:properties>
 </file>
 
-<file path=customXml/itemProps3.xml><?xml version="1.0" encoding="utf-8"?>
+<file path=customXml/itemProps1.xml><?xml version="1.0" encoding="utf-8"?>
 <ds:datastoreItem xmlns:ds="http://schemas.openxmlformats.org/officeDocument/2006/customXml" ds:itemID="{7A26AAF5-6CFC-4C52-B7DF-08410EDE6701}">
   <ds:schemaRefs>
     <ds:schemaRef ds:uri="http://schemas.microsoft.com/office/2006/metadata/contentType"/>
@@ -6343,4 +7791,22 @@
     <ds:schemaRef ds:uri="http://schemas.microsoft.com/internal/obd"/>
   </ds:schemaRefs>
 </ds:datastoreItem>
+</file>
+
+<file path=customXml/itemProps2.xml><?xml version="1.0" encoding="utf-8"?>
+<ds:datastoreItem xmlns:ds="http://schemas.openxmlformats.org/officeDocument/2006/customXml" ds:itemID="{2E5ECA37-C458-4BA2-A090-D7A19E07B434}">
+  <ds:schemaRefs>
+    <ds:schemaRef ds:uri="http://schemas.microsoft.com/sharepoint/v3/contenttype/forms"/>
+  </ds:schemaRefs>
+</ds:datastoreItem>
+</file>
+
+<file path=customXml/itemProps3.xml><?xml version="1.0" encoding="utf-8"?>
+<ds:datastoreItem xmlns:ds="http://schemas.openxmlformats.org/officeDocument/2006/customXml" ds:itemID="{84F503EC-3FFF-4193-A86F-39150E2BAC75}">
+  <ds:schemaRefs>
+    <ds:schemaRef ds:uri="http://schemas.microsoft.com/office/2006/metadata/properties"/>
+    <ds:schemaRef ds:uri="http://schemas.microsoft.com/office/infopath/2007/PartnerControls"/>
+    <ds:schemaRef ds:uri="71af3243-3dd4-4a8d-8c0d-dd76da1f02a5"/>
+  </ds:schemaRefs>
+</ds:datastoreItem>
 </file>
--- a/DRAFT Presentation.pptx
+++ b/DRAFT Presentation.pptx
@@ -10,9 +10,10 @@
     <p:sldId id="287" r:id="rId7"/>
     <p:sldId id="288" r:id="rId8"/>
     <p:sldId id="291" r:id="rId9"/>
-    <p:sldId id="292" r:id="rId10"/>
-    <p:sldId id="289" r:id="rId11"/>
-    <p:sldId id="290" r:id="rId12"/>
+    <p:sldId id="293" r:id="rId10"/>
+    <p:sldId id="292" r:id="rId11"/>
+    <p:sldId id="289" r:id="rId12"/>
+    <p:sldId id="290" r:id="rId13"/>
   </p:sldIdLst>
   <p:sldSz cx="12192000" cy="6858000"/>
   <p:notesSz cx="6858000" cy="9144000"/>
@@ -3338,12 +3339,12 @@
           <a:chExt cx="0" cy="0"/>
         </a:xfrm>
       </p:grpSpPr>
-      <p:sp>
-        <p:nvSpPr>
-          <p:cNvPr id="28" name="Rectangle 27">
-            <a:extLst>
-              <a:ext uri="{FF2B5EF4-FFF2-40B4-BE49-F238E27FC236}">
-                <a16:creationId xmlns:a16="http://schemas.microsoft.com/office/drawing/2014/main" id="{2FDF0794-1B86-42B2-B8C7-F60123E638ED}"/>
+      <p:sp useBgFill="1">
+        <p:nvSpPr>
+          <p:cNvPr id="45" name="Rectangle 38">
+            <a:extLst>
+              <a:ext uri="{FF2B5EF4-FFF2-40B4-BE49-F238E27FC236}">
+                <a16:creationId xmlns:a16="http://schemas.microsoft.com/office/drawing/2014/main" id="{34461041-8413-4023-ABA7-9E499B0AD995}"/>
               </a:ext>
               <a:ext uri="{C183D7F6-B498-43B3-948B-1728B52AA6E4}">
                 <adec:decorative xmlns:adec="http://schemas.microsoft.com/office/drawing/2017/decorative" val="1"/>
@@ -3363,15 +3364,12 @@
         </p:nvSpPr>
         <p:spPr>
           <a:xfrm>
-            <a:off x="1" y="0"/>
-            <a:ext cx="12188726" cy="6858975"/>
+            <a:off x="0" y="0"/>
+            <a:ext cx="12192001" cy="6858000"/>
           </a:xfrm>
           <a:prstGeom prst="rect">
             <a:avLst/>
           </a:prstGeom>
-          <a:solidFill>
-            <a:schemeClr val="bg1"/>
-          </a:solidFill>
           <a:ln>
             <a:noFill/>
           </a:ln>
@@ -3396,49 +3394,17 @@
           <a:bodyPr rtlCol="0" anchor="ctr"/>
           <a:lstStyle/>
           <a:p>
-            <a:pPr marL="0" marR="0" lvl="0" indent="0" algn="ctr" defTabSz="914400" rtl="0" eaLnBrk="1" fontAlgn="auto" latinLnBrk="0" hangingPunct="1">
-              <a:lnSpc>
-                <a:spcPct val="100000"/>
-              </a:lnSpc>
-              <a:spcBef>
-                <a:spcPts val="0"/>
-              </a:spcBef>
-              <a:spcAft>
-                <a:spcPts val="0"/>
-              </a:spcAft>
-              <a:buClrTx/>
-              <a:buSzTx/>
-              <a:buFontTx/>
-              <a:buNone/>
-              <a:tabLst/>
-              <a:defRPr/>
-            </a:pPr>
-            <a:endParaRPr kumimoji="0" lang="en-US" sz="1800" b="0" i="0" u="none" strike="noStrike" kern="1200" cap="none" spc="0" normalizeH="0" baseline="0" noProof="0" dirty="0">
-              <a:ln>
-                <a:noFill/>
-              </a:ln>
-              <a:solidFill>
-                <a:srgbClr val="FFFFFF"/>
-              </a:solidFill>
-              <a:effectLst/>
-              <a:uLnTx/>
-              <a:uFillTx/>
-              <a:latin typeface="Franklin Gothic Book" panose="020F0502020204030204"/>
-              <a:ea typeface="+mn-ea"/>
-              <a:cs typeface="+mn-cs"/>
-            </a:endParaRPr>
+            <a:pPr algn="ctr"/>
+            <a:endParaRPr lang="en-US"/>
           </a:p>
         </p:txBody>
       </p:sp>
       <p:pic>
         <p:nvPicPr>
-          <p:cNvPr id="5" name="Picture 4">
-            <a:extLst>
-              <a:ext uri="{FF2B5EF4-FFF2-40B4-BE49-F238E27FC236}">
-                <a16:creationId xmlns:a16="http://schemas.microsoft.com/office/drawing/2014/main" id="{1FD526C9-A8C7-41E6-85BB-39F06C858A2B}"/>
-              </a:ext>
-              <a:ext uri="{C183D7F6-B498-43B3-948B-1728B52AA6E4}">
-                <adec:decorative xmlns:adec="http://schemas.microsoft.com/office/drawing/2017/decorative" val="1"/>
+          <p:cNvPr id="6" name="Picture 5" descr="Text&#10;&#10;Description automatically generated">
+            <a:extLst>
+              <a:ext uri="{FF2B5EF4-FFF2-40B4-BE49-F238E27FC236}">
+                <a16:creationId xmlns:a16="http://schemas.microsoft.com/office/drawing/2014/main" id="{3F5F3945-7464-49AD-9739-C9708B29BE91}"/>
               </a:ext>
             </a:extLst>
           </p:cNvPr>
@@ -3447,42 +3413,37 @@
           </p:cNvPicPr>
           <p:nvPr/>
         </p:nvPicPr>
-        <p:blipFill rotWithShape="1">
-          <a:blip r:embed="rId3">
-            <a:extLst>
-              <a:ext uri="{28A0092B-C50C-407E-A947-70E740481C1C}">
-                <a14:useLocalDpi xmlns:a14="http://schemas.microsoft.com/office/drawing/2010/main" val="0"/>
-              </a:ext>
-            </a:extLst>
-          </a:blip>
-          <a:srcRect/>
-          <a:stretch/>
+        <p:blipFill>
+          <a:blip r:embed="rId3"/>
+          <a:stretch>
+            <a:fillRect/>
+          </a:stretch>
         </p:blipFill>
         <p:spPr>
           <a:xfrm>
-            <a:off x="20" y="975"/>
-            <a:ext cx="12191980" cy="6858000"/>
+            <a:off x="1181633" y="640079"/>
+            <a:ext cx="9594976" cy="4845463"/>
           </a:xfrm>
           <a:prstGeom prst="rect">
             <a:avLst/>
           </a:prstGeom>
         </p:spPr>
       </p:pic>
-      <p:sp>
-        <p:nvSpPr>
-          <p:cNvPr id="30" name="Rectangle 29">
-            <a:extLst>
-              <a:ext uri="{FF2B5EF4-FFF2-40B4-BE49-F238E27FC236}">
-                <a16:creationId xmlns:a16="http://schemas.microsoft.com/office/drawing/2014/main" id="{C5373426-E26E-431D-959C-5DB96C0B6208}"/>
+      <p:cxnSp>
+        <p:nvCxnSpPr>
+          <p:cNvPr id="46" name="Straight Connector 40">
+            <a:extLst>
+              <a:ext uri="{FF2B5EF4-FFF2-40B4-BE49-F238E27FC236}">
+                <a16:creationId xmlns:a16="http://schemas.microsoft.com/office/drawing/2014/main" id="{F05BCF04-4702-43D0-BE8F-DBF6C2F65131}"/>
               </a:ext>
               <a:ext uri="{C183D7F6-B498-43B3-948B-1728B52AA6E4}">
                 <adec:decorative xmlns:adec="http://schemas.microsoft.com/office/drawing/2017/decorative" val="1"/>
               </a:ext>
             </a:extLst>
           </p:cNvPr>
-          <p:cNvSpPr>
-            <a:spLocks noGrp="1" noRot="1" noChangeAspect="1" noMove="1" noResize="1" noEditPoints="1" noAdjustHandles="1" noChangeArrowheads="1" noChangeShapeType="1" noTextEdit="1"/>
-          </p:cNvSpPr>
+          <p:cNvCxnSpPr>
+            <a:cxnSpLocks noGrp="1" noRot="1" noChangeAspect="1" noMove="1" noResize="1" noEditPoints="1" noAdjustHandles="1" noChangeArrowheads="1" noChangeShapeType="1"/>
+          </p:cNvCxnSpPr>
           <p:nvPr>
             <p:extLst>
               <p:ext uri="{386F3935-93C4-4BCD-93E2-E3B085C9AB24}">
@@ -3490,19 +3451,72 @@
               </p:ext>
             </p:extLst>
           </p:nvPr>
-        </p:nvSpPr>
-        <p:spPr>
-          <a:xfrm>
-            <a:off x="7912607" y="1238442"/>
-            <a:ext cx="3635926" cy="4355751"/>
+        </p:nvCxnSpPr>
+        <p:spPr>
+          <a:xfrm>
+            <a:off x="1295400" y="5569068"/>
+            <a:ext cx="9601200" cy="0"/>
+          </a:xfrm>
+          <a:prstGeom prst="line">
+            <a:avLst/>
+          </a:prstGeom>
+          <a:ln w="12700">
+            <a:solidFill>
+              <a:schemeClr val="tx1">
+                <a:lumMod val="75000"/>
+                <a:lumOff val="25000"/>
+              </a:schemeClr>
+            </a:solidFill>
+          </a:ln>
+        </p:spPr>
+        <p:style>
+          <a:lnRef idx="1">
+            <a:schemeClr val="accent1"/>
+          </a:lnRef>
+          <a:fillRef idx="0">
+            <a:schemeClr val="accent1"/>
+          </a:fillRef>
+          <a:effectRef idx="0">
+            <a:schemeClr val="accent1"/>
+          </a:effectRef>
+          <a:fontRef idx="minor">
+            <a:schemeClr val="tx1"/>
+          </a:fontRef>
+        </p:style>
+      </p:cxnSp>
+      <p:sp>
+        <p:nvSpPr>
+          <p:cNvPr id="47" name="Rectangle 42">
+            <a:extLst>
+              <a:ext uri="{FF2B5EF4-FFF2-40B4-BE49-F238E27FC236}">
+                <a16:creationId xmlns:a16="http://schemas.microsoft.com/office/drawing/2014/main" id="{53B4A494-ED20-47DD-A927-05EA273B0F1F}"/>
+              </a:ext>
+              <a:ext uri="{C183D7F6-B498-43B3-948B-1728B52AA6E4}">
+                <adec:decorative xmlns:adec="http://schemas.microsoft.com/office/drawing/2017/decorative" val="1"/>
+              </a:ext>
+            </a:extLst>
+          </p:cNvPr>
+          <p:cNvSpPr>
+            <a:spLocks noGrp="1" noRot="1" noChangeAspect="1" noMove="1" noResize="1" noEditPoints="1" noAdjustHandles="1" noChangeArrowheads="1" noChangeShapeType="1" noTextEdit="1"/>
+          </p:cNvSpPr>
+          <p:nvPr>
+            <p:extLst>
+              <p:ext uri="{386F3935-93C4-4BCD-93E2-E3B085C9AB24}">
+                <p16:designElem xmlns:p16="http://schemas.microsoft.com/office/powerpoint/2015/main" val="1"/>
+              </p:ext>
+            </p:extLst>
+          </p:nvPr>
+        </p:nvSpPr>
+        <p:spPr>
+          <a:xfrm>
+            <a:off x="0" y="6400800"/>
+            <a:ext cx="12192000" cy="457200"/>
           </a:xfrm>
           <a:prstGeom prst="rect">
             <a:avLst/>
           </a:prstGeom>
           <a:solidFill>
-            <a:schemeClr val="bg1">
-              <a:alpha val="85000"/>
-            </a:schemeClr>
+            <a:srgbClr val="262626"/>
           </a:solidFill>
           <a:ln>
             <a:noFill/>
@@ -3524,50 +3538,13 @@
             <a:schemeClr val="lt1"/>
           </a:fontRef>
         </p:style>
-        <p:txBody>
-          <a:bodyPr rtlCol="0" anchor="ctr"/>
-          <a:lstStyle/>
-          <a:p>
-            <a:pPr marL="0" marR="0" lvl="0" indent="0" algn="ctr" defTabSz="914400" rtl="0" eaLnBrk="1" fontAlgn="auto" latinLnBrk="0" hangingPunct="1">
-              <a:lnSpc>
-                <a:spcPct val="100000"/>
-              </a:lnSpc>
-              <a:spcBef>
-                <a:spcPts val="0"/>
-              </a:spcBef>
-              <a:spcAft>
-                <a:spcPts val="0"/>
-              </a:spcAft>
-              <a:buClrTx/>
-              <a:buSzTx/>
-              <a:buFontTx/>
-              <a:buNone/>
-              <a:tabLst/>
-              <a:defRPr/>
-            </a:pPr>
-            <a:endParaRPr kumimoji="0" lang="en-US" sz="1800" b="0" i="0" u="none" strike="noStrike" kern="1200" cap="none" spc="0" normalizeH="0" baseline="0" noProof="0" dirty="0">
-              <a:ln>
-                <a:noFill/>
-              </a:ln>
-              <a:solidFill>
-                <a:srgbClr val="FFFFFF"/>
-              </a:solidFill>
-              <a:effectLst/>
-              <a:uLnTx/>
-              <a:uFillTx/>
-              <a:latin typeface="Franklin Gothic Book" panose="020F0502020204030204"/>
-              <a:ea typeface="+mn-ea"/>
-              <a:cs typeface="+mn-cs"/>
-            </a:endParaRPr>
-          </a:p>
-        </p:txBody>
-      </p:sp>
-      <p:sp>
-        <p:nvSpPr>
-          <p:cNvPr id="2" name="Title 1">
-            <a:extLst>
-              <a:ext uri="{FF2B5EF4-FFF2-40B4-BE49-F238E27FC236}">
-                <a16:creationId xmlns:a16="http://schemas.microsoft.com/office/drawing/2014/main" id="{9AB2EA78-AEB3-469B-9025-3B17201A457B}"/>
+      </p:sp>
+      <p:sp>
+        <p:nvSpPr>
+          <p:cNvPr id="3" name="Subtitle 2">
+            <a:extLst>
+              <a:ext uri="{FF2B5EF4-FFF2-40B4-BE49-F238E27FC236}">
+                <a16:creationId xmlns:a16="http://schemas.microsoft.com/office/drawing/2014/main" id="{255E1F2F-E259-4EA8-9FFD-3A10AF541859}"/>
               </a:ext>
             </a:extLst>
           </p:cNvPr>
@@ -3575,180 +3552,34 @@
             <a:spLocks noGrp="1"/>
           </p:cNvSpPr>
           <p:nvPr>
-            <p:ph type="ctrTitle"/>
-          </p:nvPr>
-        </p:nvSpPr>
-        <p:spPr>
-          <a:xfrm>
-            <a:off x="8123416" y="1475234"/>
-            <a:ext cx="3214307" cy="2901694"/>
-          </a:xfrm>
-        </p:spPr>
-        <p:txBody>
-          <a:bodyPr anchor="b">
+            <p:ph type="subTitle" idx="1"/>
+          </p:nvPr>
+        </p:nvSpPr>
+        <p:spPr>
+          <a:xfrm>
+            <a:off x="1187355" y="5725244"/>
+            <a:ext cx="9872980" cy="435860"/>
+          </a:xfrm>
+        </p:spPr>
+        <p:txBody>
+          <a:bodyPr>
             <a:normAutofit/>
           </a:bodyPr>
           <a:lstStyle/>
           <a:p>
             <a:r>
-              <a:rPr lang="en-US" sz="4400" dirty="0">
+              <a:rPr lang="en-US" sz="2000">
                 <a:solidFill>
-                  <a:schemeClr val="tx1"/>
+                  <a:schemeClr val="tx1">
+                    <a:lumMod val="85000"/>
+                    <a:lumOff val="15000"/>
+                  </a:schemeClr>
                 </a:solidFill>
               </a:rPr>
-              <a:t>Oscars, Ratings, &amp; Films – Oh PY!</a:t>
-            </a:r>
-          </a:p>
-        </p:txBody>
-      </p:sp>
-      <p:sp>
-        <p:nvSpPr>
-          <p:cNvPr id="3" name="Subtitle 2">
-            <a:extLst>
-              <a:ext uri="{FF2B5EF4-FFF2-40B4-BE49-F238E27FC236}">
-                <a16:creationId xmlns:a16="http://schemas.microsoft.com/office/drawing/2014/main" id="{255E1F2F-E259-4EA8-9FFD-3A10AF541859}"/>
-              </a:ext>
-            </a:extLst>
-          </p:cNvPr>
-          <p:cNvSpPr>
-            <a:spLocks noGrp="1"/>
-          </p:cNvSpPr>
-          <p:nvPr>
-            <p:ph type="subTitle" idx="1"/>
-          </p:nvPr>
-        </p:nvSpPr>
-        <p:spPr>
-          <a:xfrm>
-            <a:off x="8127750" y="4608576"/>
-            <a:ext cx="3205640" cy="774186"/>
-          </a:xfrm>
-        </p:spPr>
-        <p:txBody>
-          <a:bodyPr anchor="t">
-            <a:normAutofit lnSpcReduction="10000"/>
-          </a:bodyPr>
-          <a:lstStyle/>
-          <a:p>
-            <a:pPr>
-              <a:lnSpc>
-                <a:spcPct val="100000"/>
-              </a:lnSpc>
-            </a:pPr>
-            <a:r>
-              <a:rPr lang="en-US" sz="1600" dirty="0"/>
               <a:t>Project Team: Lauren Parrish, zehra tokatli, Chase Webb</a:t>
             </a:r>
           </a:p>
         </p:txBody>
-      </p:sp>
-      <p:cxnSp>
-        <p:nvCxnSpPr>
-          <p:cNvPr id="32" name="Straight Connector 31">
-            <a:extLst>
-              <a:ext uri="{FF2B5EF4-FFF2-40B4-BE49-F238E27FC236}">
-                <a16:creationId xmlns:a16="http://schemas.microsoft.com/office/drawing/2014/main" id="{96D07482-83A3-4451-943C-B46961082957}"/>
-              </a:ext>
-              <a:ext uri="{C183D7F6-B498-43B3-948B-1728B52AA6E4}">
-                <adec:decorative xmlns:adec="http://schemas.microsoft.com/office/drawing/2017/decorative" val="1"/>
-              </a:ext>
-            </a:extLst>
-          </p:cNvPr>
-          <p:cNvCxnSpPr>
-            <a:cxnSpLocks noGrp="1" noRot="1" noChangeAspect="1" noMove="1" noResize="1" noEditPoints="1" noAdjustHandles="1" noChangeArrowheads="1" noChangeShapeType="1"/>
-          </p:cNvCxnSpPr>
-          <p:nvPr>
-            <p:extLst>
-              <p:ext uri="{386F3935-93C4-4BCD-93E2-E3B085C9AB24}">
-                <p16:designElem xmlns:p16="http://schemas.microsoft.com/office/powerpoint/2015/main" val="1"/>
-              </p:ext>
-            </p:extLst>
-          </p:nvPr>
-        </p:nvCxnSpPr>
-        <p:spPr>
-          <a:xfrm>
-            <a:off x="8176090" y="4508519"/>
-            <a:ext cx="3108960" cy="0"/>
-          </a:xfrm>
-          <a:prstGeom prst="line">
-            <a:avLst/>
-          </a:prstGeom>
-          <a:ln w="19050">
-            <a:solidFill>
-              <a:schemeClr val="accent1"/>
-            </a:solidFill>
-          </a:ln>
-        </p:spPr>
-        <p:style>
-          <a:lnRef idx="1">
-            <a:schemeClr val="accent1"/>
-          </a:lnRef>
-          <a:fillRef idx="0">
-            <a:schemeClr val="accent1"/>
-          </a:fillRef>
-          <a:effectRef idx="0">
-            <a:schemeClr val="accent1"/>
-          </a:effectRef>
-          <a:fontRef idx="minor">
-            <a:schemeClr val="tx1"/>
-          </a:fontRef>
-        </p:style>
-      </p:cxnSp>
-      <p:sp>
-        <p:nvSpPr>
-          <p:cNvPr id="34" name="Rectangle 33">
-            <a:extLst>
-              <a:ext uri="{FF2B5EF4-FFF2-40B4-BE49-F238E27FC236}">
-                <a16:creationId xmlns:a16="http://schemas.microsoft.com/office/drawing/2014/main" id="{EDC90921-9082-491B-940E-827D679F3478}"/>
-              </a:ext>
-              <a:ext uri="{C183D7F6-B498-43B3-948B-1728B52AA6E4}">
-                <adec:decorative xmlns:adec="http://schemas.microsoft.com/office/drawing/2017/decorative" val="1"/>
-              </a:ext>
-            </a:extLst>
-          </p:cNvPr>
-          <p:cNvSpPr>
-            <a:spLocks noGrp="1" noRot="1" noChangeAspect="1" noMove="1" noResize="1" noEditPoints="1" noAdjustHandles="1" noChangeArrowheads="1" noChangeShapeType="1" noTextEdit="1"/>
-          </p:cNvSpPr>
-          <p:nvPr>
-            <p:extLst>
-              <p:ext uri="{386F3935-93C4-4BCD-93E2-E3B085C9AB24}">
-                <p16:designElem xmlns:p16="http://schemas.microsoft.com/office/powerpoint/2015/main" val="1"/>
-              </p:ext>
-            </p:extLst>
-          </p:nvPr>
-        </p:nvSpPr>
-        <p:spPr>
-          <a:xfrm>
-            <a:off x="1" y="6400800"/>
-            <a:ext cx="12192000" cy="457200"/>
-          </a:xfrm>
-          <a:prstGeom prst="rect">
-            <a:avLst/>
-          </a:prstGeom>
-          <a:solidFill>
-            <a:srgbClr val="262626">
-              <a:alpha val="95000"/>
-            </a:srgbClr>
-          </a:solidFill>
-          <a:ln>
-            <a:noFill/>
-          </a:ln>
-        </p:spPr>
-        <p:style>
-          <a:lnRef idx="2">
-            <a:schemeClr val="accent1">
-              <a:shade val="50000"/>
-            </a:schemeClr>
-          </a:lnRef>
-          <a:fillRef idx="1">
-            <a:schemeClr val="accent1"/>
-          </a:fillRef>
-          <a:effectRef idx="0">
-            <a:schemeClr val="accent1"/>
-          </a:effectRef>
-          <a:fontRef idx="minor">
-            <a:schemeClr val="lt1"/>
-          </a:fontRef>
-        </p:style>
       </p:sp>
     </p:spTree>
     <p:extLst>
@@ -3758,7 +3589,7 @@
     </p:extLst>
   </p:cSld>
   <p:clrMapOvr>
-    <a:overrideClrMapping bg1="dk1" tx1="lt1" bg2="dk2" tx2="lt2" accent1="accent1" accent2="accent2" accent3="accent3" accent4="accent4" accent5="accent5" accent6="accent6" hlink="hlink" folHlink="folHlink"/>
+    <a:masterClrMapping/>
   </p:clrMapOvr>
 </p:sld>
 </file>
@@ -5665,7 +5496,7 @@
         <p:spPr>
           <a:xfrm>
             <a:off x="4147864" y="1341152"/>
-            <a:ext cx="7540208" cy="1694438"/>
+            <a:ext cx="7540208" cy="1797030"/>
           </a:xfrm>
           <a:prstGeom prst="rect">
             <a:avLst/>
@@ -5788,7 +5619,7 @@
                 <a:ea typeface="Calibri" panose="020F0502020204030204" pitchFamily="34" charset="0"/>
                 <a:cs typeface="Times New Roman" panose="02020603050405020304" pitchFamily="18" charset="0"/>
               </a:rPr>
-              <a:t>Combine data with similar scientific/technical award categories;</a:t>
+              <a:t>Combine data with similarities for cinematography, art direction;</a:t>
             </a:r>
             <a:endParaRPr lang="en-US" sz="1100" dirty="0">
               <a:effectLst/>
@@ -5818,36 +5649,6 @@
                 <a:ea typeface="Calibri" panose="020F0502020204030204" pitchFamily="34" charset="0"/>
                 <a:cs typeface="Times New Roman" panose="02020603050405020304" pitchFamily="18" charset="0"/>
               </a:rPr>
-              <a:t>Combine data with similarities for cinematography, art direction;</a:t>
-            </a:r>
-            <a:endParaRPr lang="en-US" sz="1100" dirty="0">
-              <a:effectLst/>
-              <a:latin typeface="Calibri" panose="020F0502020204030204" pitchFamily="34" charset="0"/>
-              <a:ea typeface="Calibri" panose="020F0502020204030204" pitchFamily="34" charset="0"/>
-              <a:cs typeface="Times New Roman" panose="02020603050405020304" pitchFamily="18" charset="0"/>
-            </a:endParaRPr>
-          </a:p>
-          <a:p>
-            <a:pPr marL="342900" marR="0" lvl="0" indent="-342900">
-              <a:lnSpc>
-                <a:spcPct val="107000"/>
-              </a:lnSpc>
-              <a:spcBef>
-                <a:spcPts val="0"/>
-              </a:spcBef>
-              <a:spcAft>
-                <a:spcPts val="0"/>
-              </a:spcAft>
-              <a:buFont typeface="Symbol" panose="05050102010706020507" pitchFamily="18" charset="2"/>
-              <a:buChar char=""/>
-            </a:pPr>
-            <a:r>
-              <a:rPr lang="en-US" sz="1400" dirty="0">
-                <a:effectLst/>
-                <a:latin typeface="Franklin Gothic Book" panose="020B0503020102020204" pitchFamily="34" charset="0"/>
-                <a:ea typeface="Calibri" panose="020F0502020204030204" pitchFamily="34" charset="0"/>
-                <a:cs typeface="Times New Roman" panose="02020603050405020304" pitchFamily="18" charset="0"/>
-              </a:rPr>
               <a:t>Identify winning actors;</a:t>
             </a:r>
             <a:endParaRPr lang="en-US" sz="1100" dirty="0">
@@ -5878,7 +5679,60 @@
                 <a:ea typeface="Calibri" panose="020F0502020204030204" pitchFamily="34" charset="0"/>
                 <a:cs typeface="Times New Roman" panose="02020603050405020304" pitchFamily="18" charset="0"/>
               </a:rPr>
-              <a:t>Identify winning best pictures.</a:t>
+              <a:t>Identify winning best pictures</a:t>
+            </a:r>
+            <a:r>
+              <a:rPr lang="en-US" sz="1400" dirty="0">
+                <a:latin typeface="Franklin Gothic Book" panose="020B0503020102020204" pitchFamily="34" charset="0"/>
+                <a:ea typeface="Calibri" panose="020F0502020204030204" pitchFamily="34" charset="0"/>
+                <a:cs typeface="Times New Roman" panose="02020603050405020304" pitchFamily="18" charset="0"/>
+              </a:rPr>
+              <a:t>;</a:t>
+            </a:r>
+            <a:endParaRPr lang="en-US" sz="1400" dirty="0">
+              <a:effectLst/>
+              <a:latin typeface="Franklin Gothic Book" panose="020B0503020102020204" pitchFamily="34" charset="0"/>
+              <a:ea typeface="Calibri" panose="020F0502020204030204" pitchFamily="34" charset="0"/>
+              <a:cs typeface="Times New Roman" panose="02020603050405020304" pitchFamily="18" charset="0"/>
+            </a:endParaRPr>
+          </a:p>
+          <a:p>
+            <a:pPr marL="342900" marR="0" lvl="0" indent="-342900">
+              <a:lnSpc>
+                <a:spcPct val="107000"/>
+              </a:lnSpc>
+              <a:spcBef>
+                <a:spcPts val="0"/>
+              </a:spcBef>
+              <a:spcAft>
+                <a:spcPts val="800"/>
+              </a:spcAft>
+              <a:buFont typeface="Symbol" panose="05050102010706020507" pitchFamily="18" charset="2"/>
+              <a:buChar char=""/>
+            </a:pPr>
+            <a:r>
+              <a:rPr lang="en-US" sz="1400" dirty="0">
+                <a:latin typeface="Franklin Gothic Book" panose="020B0503020102020204" pitchFamily="34" charset="0"/>
+                <a:ea typeface="Calibri" panose="020F0502020204030204" pitchFamily="34" charset="0"/>
+                <a:cs typeface="Times New Roman" panose="02020603050405020304" pitchFamily="18" charset="0"/>
+              </a:rPr>
+              <a:t>Remove “</a:t>
+            </a:r>
+            <a:r>
+              <a:rPr lang="en-US" sz="1400" dirty="0" err="1">
+                <a:latin typeface="Franklin Gothic Book" panose="020B0503020102020204" pitchFamily="34" charset="0"/>
+                <a:ea typeface="Calibri" panose="020F0502020204030204" pitchFamily="34" charset="0"/>
+                <a:cs typeface="Times New Roman" panose="02020603050405020304" pitchFamily="18" charset="0"/>
+              </a:rPr>
+              <a:t>year_ceremony</a:t>
+            </a:r>
+            <a:r>
+              <a:rPr lang="en-US" sz="1400" dirty="0">
+                <a:latin typeface="Franklin Gothic Book" panose="020B0503020102020204" pitchFamily="34" charset="0"/>
+                <a:ea typeface="Calibri" panose="020F0502020204030204" pitchFamily="34" charset="0"/>
+                <a:cs typeface="Times New Roman" panose="02020603050405020304" pitchFamily="18" charset="0"/>
+              </a:rPr>
+              <a:t>” and “ceremony” columns.</a:t>
             </a:r>
             <a:endParaRPr lang="en-US" sz="1100" dirty="0">
               <a:effectLst/>
@@ -6034,7 +5888,7 @@
         <p:spPr>
           <a:xfrm>
             <a:off x="4147864" y="4314326"/>
-            <a:ext cx="7463285" cy="954107"/>
+            <a:ext cx="7463285" cy="1169551"/>
           </a:xfrm>
           <a:prstGeom prst="rect">
             <a:avLst/>
@@ -6057,7 +5911,7 @@
                 <a:ea typeface="Calibri" panose="020F0502020204030204" pitchFamily="34" charset="0"/>
                 <a:cs typeface="Times New Roman" panose="02020603050405020304" pitchFamily="18" charset="0"/>
               </a:rPr>
-              <a:t>The greatest challenge with the Awards dataset was that there were several columns containing similar categories.  This level of detail was not required for the team’s assessment and therefore the data was merged.  </a:t>
+              <a:t>The greatest challenge with the Awards dataset was that there were several columns containing similar categories.  This level of detail was not required for the team’s assessment and therefore the data was merged.  As we progressed through the initial dataset, we found that it would be difficult to join to the other dataset, so a new source file was used which listed film titles.</a:t>
             </a:r>
             <a:endParaRPr lang="en-US" sz="1100" dirty="0">
               <a:effectLst/>
@@ -6370,279 +6224,75 @@
                 </a:solidFill>
                 <a:latin typeface="Broadway" panose="04040905080B02020502" pitchFamily="82" charset="0"/>
               </a:rPr>
-              <a:t>Data Joins:</a:t>
-            </a:r>
-          </a:p>
-        </p:txBody>
-      </p:sp>
-      <p:sp>
-        <p:nvSpPr>
-          <p:cNvPr id="5" name="TextBox 4">
-            <a:extLst>
-              <a:ext uri="{FF2B5EF4-FFF2-40B4-BE49-F238E27FC236}">
-                <a16:creationId xmlns:a16="http://schemas.microsoft.com/office/drawing/2014/main" id="{E1340135-CA43-42AC-9602-58079833243C}"/>
-              </a:ext>
-            </a:extLst>
-          </p:cNvPr>
-          <p:cNvSpPr txBox="1"/>
+              <a:t>Data Cleanse:</a:t>
+            </a:r>
+          </a:p>
+        </p:txBody>
+      </p:sp>
+      <p:pic>
+        <p:nvPicPr>
+          <p:cNvPr id="9" name="Picture 8">
+            <a:extLst>
+              <a:ext uri="{FF2B5EF4-FFF2-40B4-BE49-F238E27FC236}">
+                <a16:creationId xmlns:a16="http://schemas.microsoft.com/office/drawing/2014/main" id="{F9144BFF-2D70-4A41-964B-BD2AB7B3DC54}"/>
+              </a:ext>
+            </a:extLst>
+          </p:cNvPr>
+          <p:cNvPicPr>
+            <a:picLocks noChangeAspect="1"/>
+          </p:cNvPicPr>
           <p:nvPr/>
-        </p:nvSpPr>
-        <p:spPr>
-          <a:xfrm>
-            <a:off x="4147864" y="1341152"/>
-            <a:ext cx="7540208" cy="307777"/>
+        </p:nvPicPr>
+        <p:blipFill>
+          <a:blip r:embed="rId2"/>
+          <a:stretch>
+            <a:fillRect/>
+          </a:stretch>
+        </p:blipFill>
+        <p:spPr>
+          <a:xfrm>
+            <a:off x="4271928" y="1670538"/>
+            <a:ext cx="7738534" cy="3991134"/>
           </a:xfrm>
           <a:prstGeom prst="rect">
             <a:avLst/>
           </a:prstGeom>
-          <a:noFill/>
-        </p:spPr>
-        <p:txBody>
-          <a:bodyPr wrap="square" rtlCol="0">
-            <a:spAutoFit/>
-          </a:bodyPr>
-          <a:lstStyle/>
-          <a:p>
-            <a:pPr marR="0" lvl="0" algn="l" defTabSz="914400" rtl="0" eaLnBrk="1" fontAlgn="auto" latinLnBrk="0" hangingPunct="1">
-              <a:lnSpc>
-                <a:spcPct val="100000"/>
-              </a:lnSpc>
-              <a:spcBef>
-                <a:spcPts val="0"/>
-              </a:spcBef>
-              <a:spcAft>
-                <a:spcPts val="0"/>
-              </a:spcAft>
-              <a:buClrTx/>
-              <a:buSzTx/>
-              <a:tabLst/>
-              <a:defRPr/>
-            </a:pPr>
-            <a:r>
-              <a:rPr lang="en-US" sz="1400" dirty="0">
-                <a:solidFill>
-                  <a:prstClr val="black"/>
-                </a:solidFill>
-                <a:latin typeface="Franklin Gothic Book" panose="020F0502020204030204"/>
-              </a:rPr>
-              <a:t>Text</a:t>
-            </a:r>
-            <a:endParaRPr kumimoji="0" lang="en-US" sz="1400" b="0" i="0" u="none" strike="noStrike" kern="1200" cap="none" spc="0" normalizeH="0" baseline="0" noProof="0" dirty="0">
-              <a:ln>
-                <a:noFill/>
-              </a:ln>
-              <a:solidFill>
-                <a:prstClr val="black"/>
-              </a:solidFill>
-              <a:effectLst/>
-              <a:uLnTx/>
-              <a:uFillTx/>
-              <a:latin typeface="Franklin Gothic Book" panose="020F0502020204030204"/>
-              <a:ea typeface="+mn-ea"/>
-              <a:cs typeface="+mn-cs"/>
-            </a:endParaRPr>
-          </a:p>
-        </p:txBody>
-      </p:sp>
-      <p:sp>
-        <p:nvSpPr>
-          <p:cNvPr id="3" name="TextBox 2">
-            <a:extLst>
-              <a:ext uri="{FF2B5EF4-FFF2-40B4-BE49-F238E27FC236}">
-                <a16:creationId xmlns:a16="http://schemas.microsoft.com/office/drawing/2014/main" id="{C45C8A24-066F-4E71-B76A-F639A2F988F1}"/>
-              </a:ext>
-            </a:extLst>
-          </p:cNvPr>
-          <p:cNvSpPr txBox="1"/>
-          <p:nvPr/>
-        </p:nvSpPr>
-        <p:spPr>
-          <a:xfrm>
-            <a:off x="4147864" y="831195"/>
-            <a:ext cx="4050791" cy="369332"/>
-          </a:xfrm>
-          <a:prstGeom prst="rect">
-            <a:avLst/>
-          </a:prstGeom>
-          <a:noFill/>
-        </p:spPr>
-        <p:txBody>
-          <a:bodyPr wrap="square" rtlCol="0">
-            <a:spAutoFit/>
-          </a:bodyPr>
-          <a:lstStyle/>
-          <a:p>
-            <a:pPr marL="0" marR="0" lvl="0" indent="0" algn="l" defTabSz="914400" rtl="0" eaLnBrk="1" fontAlgn="auto" latinLnBrk="0" hangingPunct="1">
-              <a:lnSpc>
-                <a:spcPct val="100000"/>
-              </a:lnSpc>
-              <a:spcBef>
-                <a:spcPts val="0"/>
-              </a:spcBef>
-              <a:spcAft>
-                <a:spcPts val="0"/>
-              </a:spcAft>
-              <a:buClrTx/>
-              <a:buSzTx/>
-              <a:buFontTx/>
-              <a:buNone/>
-              <a:tabLst/>
-              <a:defRPr/>
-            </a:pPr>
-            <a:r>
-              <a:rPr kumimoji="0" lang="en-US" sz="1800" b="1" i="0" u="none" strike="noStrike" kern="1200" cap="none" spc="0" normalizeH="0" baseline="0" noProof="0" dirty="0">
-                <a:ln>
-                  <a:noFill/>
-                </a:ln>
-                <a:solidFill>
-                  <a:prstClr val="black"/>
-                </a:solidFill>
-                <a:effectLst/>
-                <a:uLnTx/>
-                <a:uFillTx/>
-                <a:latin typeface="Franklin Gothic Book" panose="020F0502020204030204"/>
-                <a:ea typeface="+mn-ea"/>
-                <a:cs typeface="+mn-cs"/>
-              </a:rPr>
-              <a:t>Heading:</a:t>
-            </a:r>
-          </a:p>
-        </p:txBody>
-      </p:sp>
-      <p:sp>
-        <p:nvSpPr>
-          <p:cNvPr id="8" name="TextBox 7">
-            <a:extLst>
-              <a:ext uri="{FF2B5EF4-FFF2-40B4-BE49-F238E27FC236}">
-                <a16:creationId xmlns:a16="http://schemas.microsoft.com/office/drawing/2014/main" id="{F960F276-B204-4DD4-B603-34D9D5162535}"/>
-              </a:ext>
-            </a:extLst>
-          </p:cNvPr>
-          <p:cNvSpPr txBox="1"/>
-          <p:nvPr/>
-        </p:nvSpPr>
-        <p:spPr>
-          <a:xfrm>
-            <a:off x="4147864" y="3740424"/>
-            <a:ext cx="4050791" cy="369332"/>
-          </a:xfrm>
-          <a:prstGeom prst="rect">
-            <a:avLst/>
-          </a:prstGeom>
-          <a:noFill/>
-        </p:spPr>
-        <p:txBody>
-          <a:bodyPr wrap="square" rtlCol="0">
-            <a:spAutoFit/>
-          </a:bodyPr>
-          <a:lstStyle/>
-          <a:p>
-            <a:pPr marL="0" marR="0" lvl="0" indent="0" algn="l" defTabSz="914400" rtl="0" eaLnBrk="1" fontAlgn="auto" latinLnBrk="0" hangingPunct="1">
-              <a:lnSpc>
-                <a:spcPct val="100000"/>
-              </a:lnSpc>
-              <a:spcBef>
-                <a:spcPts val="0"/>
-              </a:spcBef>
-              <a:spcAft>
-                <a:spcPts val="0"/>
-              </a:spcAft>
-              <a:buClrTx/>
-              <a:buSzTx/>
-              <a:buFontTx/>
-              <a:buNone/>
-              <a:tabLst/>
-              <a:defRPr/>
-            </a:pPr>
-            <a:r>
-              <a:rPr kumimoji="0" lang="en-US" sz="1800" b="1" i="0" u="none" strike="noStrike" kern="1200" cap="none" spc="0" normalizeH="0" baseline="0" noProof="0" dirty="0">
-                <a:ln>
-                  <a:noFill/>
-                </a:ln>
-                <a:solidFill>
-                  <a:prstClr val="black"/>
-                </a:solidFill>
-                <a:effectLst/>
-                <a:uLnTx/>
-                <a:uFillTx/>
-                <a:latin typeface="Franklin Gothic Book" panose="020F0502020204030204"/>
-                <a:ea typeface="+mn-ea"/>
-                <a:cs typeface="+mn-cs"/>
-              </a:rPr>
-              <a:t>Heading:</a:t>
-            </a:r>
-          </a:p>
-        </p:txBody>
-      </p:sp>
-      <p:sp>
-        <p:nvSpPr>
-          <p:cNvPr id="6" name="TextBox 5">
-            <a:extLst>
-              <a:ext uri="{FF2B5EF4-FFF2-40B4-BE49-F238E27FC236}">
-                <a16:creationId xmlns:a16="http://schemas.microsoft.com/office/drawing/2014/main" id="{7A806280-EE32-48B7-9545-1BA54615024B}"/>
-              </a:ext>
-            </a:extLst>
-          </p:cNvPr>
-          <p:cNvSpPr txBox="1"/>
-          <p:nvPr/>
-        </p:nvSpPr>
-        <p:spPr>
-          <a:xfrm>
-            <a:off x="4147864" y="4314326"/>
-            <a:ext cx="7463285" cy="307777"/>
-          </a:xfrm>
-          <a:prstGeom prst="rect">
-            <a:avLst/>
-          </a:prstGeom>
-          <a:noFill/>
-        </p:spPr>
-        <p:txBody>
-          <a:bodyPr wrap="square" rtlCol="0">
-            <a:spAutoFit/>
-          </a:bodyPr>
-          <a:lstStyle/>
-          <a:p>
-            <a:pPr marL="0" marR="0" lvl="0" indent="0" algn="l" defTabSz="914400" rtl="0" eaLnBrk="1" fontAlgn="auto" latinLnBrk="0" hangingPunct="1">
-              <a:lnSpc>
-                <a:spcPct val="100000"/>
-              </a:lnSpc>
-              <a:spcBef>
-                <a:spcPts val="0"/>
-              </a:spcBef>
-              <a:spcAft>
-                <a:spcPts val="0"/>
-              </a:spcAft>
-              <a:buClrTx/>
-              <a:buSzTx/>
-              <a:buFontTx/>
-              <a:buNone/>
-              <a:tabLst/>
-              <a:defRPr/>
-            </a:pPr>
-            <a:r>
-              <a:rPr kumimoji="0" lang="en-US" sz="1400" b="0" i="0" u="none" strike="noStrike" kern="1200" cap="none" spc="0" normalizeH="0" baseline="0" noProof="0" dirty="0">
-                <a:ln>
-                  <a:noFill/>
-                </a:ln>
-                <a:solidFill>
-                  <a:prstClr val="black"/>
-                </a:solidFill>
-                <a:effectLst/>
-                <a:uLnTx/>
-                <a:uFillTx/>
-                <a:latin typeface="Franklin Gothic Book" panose="020F0502020204030204"/>
-                <a:ea typeface="+mn-ea"/>
-                <a:cs typeface="+mn-cs"/>
-              </a:rPr>
-              <a:t>Text</a:t>
-            </a:r>
-          </a:p>
-        </p:txBody>
-      </p:sp>
+          <a:solidFill>
+            <a:srgbClr val="FFFFFF">
+              <a:shade val="85000"/>
+            </a:srgbClr>
+          </a:solidFill>
+          <a:ln w="88900" cap="sq">
+            <a:solidFill>
+              <a:srgbClr val="FFFFFF"/>
+            </a:solidFill>
+            <a:miter lim="800000"/>
+          </a:ln>
+          <a:effectLst>
+            <a:outerShdw blurRad="55000" dist="18000" dir="5400000" algn="tl" rotWithShape="0">
+              <a:srgbClr val="000000">
+                <a:alpha val="40000"/>
+              </a:srgbClr>
+            </a:outerShdw>
+          </a:effectLst>
+          <a:scene3d>
+            <a:camera prst="orthographicFront"/>
+            <a:lightRig rig="twoPt" dir="t">
+              <a:rot lat="0" lon="0" rev="7200000"/>
+            </a:lightRig>
+          </a:scene3d>
+          <a:sp3d>
+            <a:bevelT w="25400" h="19050"/>
+            <a:contourClr>
+              <a:srgbClr val="FFFFFF"/>
+            </a:contourClr>
+          </a:sp3d>
+        </p:spPr>
+      </p:pic>
     </p:spTree>
     <p:extLst>
       <p:ext uri="{BB962C8B-B14F-4D97-AF65-F5344CB8AC3E}">
-        <p14:creationId xmlns:p14="http://schemas.microsoft.com/office/powerpoint/2010/main" val="3838111713"/>
+        <p14:creationId xmlns:p14="http://schemas.microsoft.com/office/powerpoint/2010/main" val="1207368941"/>
       </p:ext>
     </p:extLst>
   </p:cSld>
@@ -6842,8 +6492,8 @@
         </p:nvSpPr>
         <p:spPr>
           <a:xfrm>
-            <a:off x="492370" y="516835"/>
-            <a:ext cx="3084844" cy="5772840"/>
+            <a:off x="102742" y="516835"/>
+            <a:ext cx="3748950" cy="5772840"/>
           </a:xfrm>
         </p:spPr>
         <p:txBody>
@@ -6860,7 +6510,7 @@
                 </a:solidFill>
                 <a:latin typeface="Broadway" panose="04040905080B02020502" pitchFamily="82" charset="0"/>
               </a:rPr>
-              <a:t>Loading</a:t>
+              <a:t>Transformation</a:t>
             </a:r>
             <a:r>
               <a:rPr lang="en-US" sz="3600" dirty="0">
@@ -6891,7 +6541,7 @@
         </p:nvSpPr>
         <p:spPr>
           <a:xfrm>
-            <a:off x="4333875" y="393702"/>
+            <a:off x="4147864" y="196851"/>
             <a:ext cx="7365755" cy="807132"/>
           </a:xfrm>
         </p:spPr>
@@ -6908,7 +6558,7 @@
                 </a:solidFill>
                 <a:latin typeface="Broadway" panose="04040905080B02020502" pitchFamily="82" charset="0"/>
               </a:rPr>
-              <a:t>Insert headline</a:t>
+              <a:t>Data Joins:</a:t>
             </a:r>
           </a:p>
         </p:txBody>
@@ -6927,8 +6577,77 @@
         </p:nvSpPr>
         <p:spPr>
           <a:xfrm>
-            <a:off x="4251742" y="1453847"/>
-            <a:ext cx="7540208" cy="338554"/>
+            <a:off x="4147864" y="1341152"/>
+            <a:ext cx="7540208" cy="307777"/>
+          </a:xfrm>
+          <a:prstGeom prst="rect">
+            <a:avLst/>
+          </a:prstGeom>
+          <a:noFill/>
+        </p:spPr>
+        <p:txBody>
+          <a:bodyPr wrap="square" rtlCol="0">
+            <a:spAutoFit/>
+          </a:bodyPr>
+          <a:lstStyle/>
+          <a:p>
+            <a:pPr marR="0" lvl="0" algn="l" defTabSz="914400" rtl="0" eaLnBrk="1" fontAlgn="auto" latinLnBrk="0" hangingPunct="1">
+              <a:lnSpc>
+                <a:spcPct val="100000"/>
+              </a:lnSpc>
+              <a:spcBef>
+                <a:spcPts val="0"/>
+              </a:spcBef>
+              <a:spcAft>
+                <a:spcPts val="0"/>
+              </a:spcAft>
+              <a:buClrTx/>
+              <a:buSzTx/>
+              <a:tabLst/>
+              <a:defRPr/>
+            </a:pPr>
+            <a:r>
+              <a:rPr lang="en-US" sz="1400" dirty="0">
+                <a:solidFill>
+                  <a:prstClr val="black"/>
+                </a:solidFill>
+                <a:latin typeface="Franklin Gothic Book" panose="020F0502020204030204"/>
+              </a:rPr>
+              <a:t>Text</a:t>
+            </a:r>
+            <a:endParaRPr kumimoji="0" lang="en-US" sz="1400" b="0" i="0" u="none" strike="noStrike" kern="1200" cap="none" spc="0" normalizeH="0" baseline="0" noProof="0" dirty="0">
+              <a:ln>
+                <a:noFill/>
+              </a:ln>
+              <a:solidFill>
+                <a:prstClr val="black"/>
+              </a:solidFill>
+              <a:effectLst/>
+              <a:uLnTx/>
+              <a:uFillTx/>
+              <a:latin typeface="Franklin Gothic Book" panose="020F0502020204030204"/>
+              <a:ea typeface="+mn-ea"/>
+              <a:cs typeface="+mn-cs"/>
+            </a:endParaRPr>
+          </a:p>
+        </p:txBody>
+      </p:sp>
+      <p:sp>
+        <p:nvSpPr>
+          <p:cNvPr id="3" name="TextBox 2">
+            <a:extLst>
+              <a:ext uri="{FF2B5EF4-FFF2-40B4-BE49-F238E27FC236}">
+                <a16:creationId xmlns:a16="http://schemas.microsoft.com/office/drawing/2014/main" id="{C45C8A24-066F-4E71-B76A-F639A2F988F1}"/>
+              </a:ext>
+            </a:extLst>
+          </p:cNvPr>
+          <p:cNvSpPr txBox="1"/>
+          <p:nvPr/>
+        </p:nvSpPr>
+        <p:spPr>
+          <a:xfrm>
+            <a:off x="4147864" y="831195"/>
+            <a:ext cx="4050791" cy="369332"/>
           </a:xfrm>
           <a:prstGeom prst="rect">
             <a:avLst/>
@@ -6959,6 +6678,475 @@
               <a:defRPr/>
             </a:pPr>
             <a:r>
+              <a:rPr kumimoji="0" lang="en-US" sz="1800" b="1" i="0" u="none" strike="noStrike" kern="1200" cap="none" spc="0" normalizeH="0" baseline="0" noProof="0" dirty="0">
+                <a:ln>
+                  <a:noFill/>
+                </a:ln>
+                <a:solidFill>
+                  <a:prstClr val="black"/>
+                </a:solidFill>
+                <a:effectLst/>
+                <a:uLnTx/>
+                <a:uFillTx/>
+                <a:latin typeface="Franklin Gothic Book" panose="020F0502020204030204"/>
+                <a:ea typeface="+mn-ea"/>
+                <a:cs typeface="+mn-cs"/>
+              </a:rPr>
+              <a:t>Heading:</a:t>
+            </a:r>
+          </a:p>
+        </p:txBody>
+      </p:sp>
+      <p:sp>
+        <p:nvSpPr>
+          <p:cNvPr id="8" name="TextBox 7">
+            <a:extLst>
+              <a:ext uri="{FF2B5EF4-FFF2-40B4-BE49-F238E27FC236}">
+                <a16:creationId xmlns:a16="http://schemas.microsoft.com/office/drawing/2014/main" id="{F960F276-B204-4DD4-B603-34D9D5162535}"/>
+              </a:ext>
+            </a:extLst>
+          </p:cNvPr>
+          <p:cNvSpPr txBox="1"/>
+          <p:nvPr/>
+        </p:nvSpPr>
+        <p:spPr>
+          <a:xfrm>
+            <a:off x="4147864" y="3740424"/>
+            <a:ext cx="4050791" cy="369332"/>
+          </a:xfrm>
+          <a:prstGeom prst="rect">
+            <a:avLst/>
+          </a:prstGeom>
+          <a:noFill/>
+        </p:spPr>
+        <p:txBody>
+          <a:bodyPr wrap="square" rtlCol="0">
+            <a:spAutoFit/>
+          </a:bodyPr>
+          <a:lstStyle/>
+          <a:p>
+            <a:pPr marL="0" marR="0" lvl="0" indent="0" algn="l" defTabSz="914400" rtl="0" eaLnBrk="1" fontAlgn="auto" latinLnBrk="0" hangingPunct="1">
+              <a:lnSpc>
+                <a:spcPct val="100000"/>
+              </a:lnSpc>
+              <a:spcBef>
+                <a:spcPts val="0"/>
+              </a:spcBef>
+              <a:spcAft>
+                <a:spcPts val="0"/>
+              </a:spcAft>
+              <a:buClrTx/>
+              <a:buSzTx/>
+              <a:buFontTx/>
+              <a:buNone/>
+              <a:tabLst/>
+              <a:defRPr/>
+            </a:pPr>
+            <a:r>
+              <a:rPr kumimoji="0" lang="en-US" sz="1800" b="1" i="0" u="none" strike="noStrike" kern="1200" cap="none" spc="0" normalizeH="0" baseline="0" noProof="0" dirty="0">
+                <a:ln>
+                  <a:noFill/>
+                </a:ln>
+                <a:solidFill>
+                  <a:prstClr val="black"/>
+                </a:solidFill>
+                <a:effectLst/>
+                <a:uLnTx/>
+                <a:uFillTx/>
+                <a:latin typeface="Franklin Gothic Book" panose="020F0502020204030204"/>
+                <a:ea typeface="+mn-ea"/>
+                <a:cs typeface="+mn-cs"/>
+              </a:rPr>
+              <a:t>Heading:</a:t>
+            </a:r>
+          </a:p>
+        </p:txBody>
+      </p:sp>
+      <p:sp>
+        <p:nvSpPr>
+          <p:cNvPr id="6" name="TextBox 5">
+            <a:extLst>
+              <a:ext uri="{FF2B5EF4-FFF2-40B4-BE49-F238E27FC236}">
+                <a16:creationId xmlns:a16="http://schemas.microsoft.com/office/drawing/2014/main" id="{7A806280-EE32-48B7-9545-1BA54615024B}"/>
+              </a:ext>
+            </a:extLst>
+          </p:cNvPr>
+          <p:cNvSpPr txBox="1"/>
+          <p:nvPr/>
+        </p:nvSpPr>
+        <p:spPr>
+          <a:xfrm>
+            <a:off x="4147864" y="4314326"/>
+            <a:ext cx="7463285" cy="307777"/>
+          </a:xfrm>
+          <a:prstGeom prst="rect">
+            <a:avLst/>
+          </a:prstGeom>
+          <a:noFill/>
+        </p:spPr>
+        <p:txBody>
+          <a:bodyPr wrap="square" rtlCol="0">
+            <a:spAutoFit/>
+          </a:bodyPr>
+          <a:lstStyle/>
+          <a:p>
+            <a:pPr marL="0" marR="0" lvl="0" indent="0" algn="l" defTabSz="914400" rtl="0" eaLnBrk="1" fontAlgn="auto" latinLnBrk="0" hangingPunct="1">
+              <a:lnSpc>
+                <a:spcPct val="100000"/>
+              </a:lnSpc>
+              <a:spcBef>
+                <a:spcPts val="0"/>
+              </a:spcBef>
+              <a:spcAft>
+                <a:spcPts val="0"/>
+              </a:spcAft>
+              <a:buClrTx/>
+              <a:buSzTx/>
+              <a:buFontTx/>
+              <a:buNone/>
+              <a:tabLst/>
+              <a:defRPr/>
+            </a:pPr>
+            <a:r>
+              <a:rPr kumimoji="0" lang="en-US" sz="1400" b="0" i="0" u="none" strike="noStrike" kern="1200" cap="none" spc="0" normalizeH="0" baseline="0" noProof="0" dirty="0">
+                <a:ln>
+                  <a:noFill/>
+                </a:ln>
+                <a:solidFill>
+                  <a:prstClr val="black"/>
+                </a:solidFill>
+                <a:effectLst/>
+                <a:uLnTx/>
+                <a:uFillTx/>
+                <a:latin typeface="Franklin Gothic Book" panose="020F0502020204030204"/>
+                <a:ea typeface="+mn-ea"/>
+                <a:cs typeface="+mn-cs"/>
+              </a:rPr>
+              <a:t>Text</a:t>
+            </a:r>
+          </a:p>
+        </p:txBody>
+      </p:sp>
+    </p:spTree>
+    <p:extLst>
+      <p:ext uri="{BB962C8B-B14F-4D97-AF65-F5344CB8AC3E}">
+        <p14:creationId xmlns:p14="http://schemas.microsoft.com/office/powerpoint/2010/main" val="3838111713"/>
+      </p:ext>
+    </p:extLst>
+  </p:cSld>
+  <p:clrMapOvr>
+    <a:masterClrMapping/>
+  </p:clrMapOvr>
+</p:sld>
+</file>
+
+<file path=ppt/slides/slide8.xml><?xml version="1.0" encoding="utf-8"?>
+<p:sld xmlns:a="http://schemas.openxmlformats.org/drawingml/2006/main" xmlns:r="http://schemas.openxmlformats.org/officeDocument/2006/relationships" xmlns:p="http://schemas.openxmlformats.org/presentationml/2006/main">
+  <p:cSld>
+    <p:bg>
+      <p:bgPr>
+        <a:solidFill>
+          <a:schemeClr val="bg1"/>
+        </a:solidFill>
+        <a:effectLst/>
+      </p:bgPr>
+    </p:bg>
+    <p:spTree>
+      <p:nvGrpSpPr>
+        <p:cNvPr id="1" name=""/>
+        <p:cNvGrpSpPr/>
+        <p:nvPr/>
+      </p:nvGrpSpPr>
+      <p:grpSpPr>
+        <a:xfrm>
+          <a:off x="0" y="0"/>
+          <a:ext cx="0" cy="0"/>
+          <a:chOff x="0" y="0"/>
+          <a:chExt cx="0" cy="0"/>
+        </a:xfrm>
+      </p:grpSpPr>
+      <p:sp useBgFill="1">
+        <p:nvSpPr>
+          <p:cNvPr id="10" name="Rectangle 9">
+            <a:extLst>
+              <a:ext uri="{FF2B5EF4-FFF2-40B4-BE49-F238E27FC236}">
+                <a16:creationId xmlns:a16="http://schemas.microsoft.com/office/drawing/2014/main" id="{EE1530B0-6F96-46C0-8B3E-3215CB756BE4}"/>
+              </a:ext>
+              <a:ext uri="{C183D7F6-B498-43B3-948B-1728B52AA6E4}">
+                <adec:decorative xmlns:adec="http://schemas.microsoft.com/office/drawing/2017/decorative" val="1"/>
+              </a:ext>
+            </a:extLst>
+          </p:cNvPr>
+          <p:cNvSpPr>
+            <a:spLocks noGrp="1" noRot="1" noChangeAspect="1" noMove="1" noResize="1" noEditPoints="1" noAdjustHandles="1" noChangeArrowheads="1" noChangeShapeType="1" noTextEdit="1"/>
+          </p:cNvSpPr>
+          <p:nvPr>
+            <p:extLst>
+              <p:ext uri="{386F3935-93C4-4BCD-93E2-E3B085C9AB24}">
+                <p16:designElem xmlns:p16="http://schemas.microsoft.com/office/powerpoint/2015/main" val="1"/>
+              </p:ext>
+            </p:extLst>
+          </p:nvPr>
+        </p:nvSpPr>
+        <p:spPr>
+          <a:xfrm>
+            <a:off x="5685" y="0"/>
+            <a:ext cx="12186315" cy="6858000"/>
+          </a:xfrm>
+          <a:prstGeom prst="rect">
+            <a:avLst/>
+          </a:prstGeom>
+          <a:ln>
+            <a:noFill/>
+          </a:ln>
+        </p:spPr>
+        <p:style>
+          <a:lnRef idx="2">
+            <a:schemeClr val="accent6">
+              <a:shade val="50000"/>
+            </a:schemeClr>
+          </a:lnRef>
+          <a:fillRef idx="1001">
+            <a:schemeClr val="lt1"/>
+          </a:fillRef>
+          <a:effectRef idx="0">
+            <a:schemeClr val="accent6"/>
+          </a:effectRef>
+          <a:fontRef idx="minor">
+            <a:schemeClr val="lt1"/>
+          </a:fontRef>
+        </p:style>
+        <p:txBody>
+          <a:bodyPr rtlCol="0" anchor="ctr"/>
+          <a:lstStyle/>
+          <a:p>
+            <a:pPr marL="0" marR="0" lvl="0" indent="0" algn="ctr" defTabSz="914400" rtl="0" eaLnBrk="1" fontAlgn="auto" latinLnBrk="0" hangingPunct="1">
+              <a:lnSpc>
+                <a:spcPct val="100000"/>
+              </a:lnSpc>
+              <a:spcBef>
+                <a:spcPts val="0"/>
+              </a:spcBef>
+              <a:spcAft>
+                <a:spcPts val="0"/>
+              </a:spcAft>
+              <a:buClrTx/>
+              <a:buSzTx/>
+              <a:buFontTx/>
+              <a:buNone/>
+              <a:tabLst/>
+              <a:defRPr/>
+            </a:pPr>
+            <a:endParaRPr kumimoji="0" lang="en-US" sz="1800" b="0" i="0" u="none" strike="noStrike" kern="1200" cap="none" spc="0" normalizeH="0" baseline="0" noProof="0" dirty="0">
+              <a:ln>
+                <a:noFill/>
+              </a:ln>
+              <a:solidFill>
+                <a:prstClr val="white"/>
+              </a:solidFill>
+              <a:effectLst/>
+              <a:uLnTx/>
+              <a:uFillTx/>
+              <a:latin typeface="Franklin Gothic Book" panose="020F0502020204030204"/>
+              <a:ea typeface="+mn-ea"/>
+              <a:cs typeface="+mn-cs"/>
+            </a:endParaRPr>
+          </a:p>
+        </p:txBody>
+      </p:sp>
+      <p:sp>
+        <p:nvSpPr>
+          <p:cNvPr id="12" name="Rectangle 11">
+            <a:extLst>
+              <a:ext uri="{FF2B5EF4-FFF2-40B4-BE49-F238E27FC236}">
+                <a16:creationId xmlns:a16="http://schemas.microsoft.com/office/drawing/2014/main" id="{754910CF-1B56-45D3-960A-E89F7B3B9131}"/>
+              </a:ext>
+              <a:ext uri="{C183D7F6-B498-43B3-948B-1728B52AA6E4}">
+                <adec:decorative xmlns:adec="http://schemas.microsoft.com/office/drawing/2017/decorative" val="1"/>
+              </a:ext>
+            </a:extLst>
+          </p:cNvPr>
+          <p:cNvSpPr>
+            <a:spLocks noGrp="1" noRot="1" noChangeAspect="1" noMove="1" noResize="1" noEditPoints="1" noAdjustHandles="1" noChangeArrowheads="1" noChangeShapeType="1" noTextEdit="1"/>
+          </p:cNvSpPr>
+          <p:nvPr>
+            <p:extLst>
+              <p:ext uri="{386F3935-93C4-4BCD-93E2-E3B085C9AB24}">
+                <p16:designElem xmlns:p16="http://schemas.microsoft.com/office/powerpoint/2015/main" val="1"/>
+              </p:ext>
+            </p:extLst>
+          </p:nvPr>
+        </p:nvSpPr>
+        <p:spPr>
+          <a:xfrm>
+            <a:off x="16" y="0"/>
+            <a:ext cx="4050791" cy="6858000"/>
+          </a:xfrm>
+          <a:prstGeom prst="rect">
+            <a:avLst/>
+          </a:prstGeom>
+          <a:solidFill>
+            <a:schemeClr val="tx1">
+              <a:lumMod val="85000"/>
+              <a:lumOff val="15000"/>
+            </a:schemeClr>
+          </a:solidFill>
+          <a:ln>
+            <a:noFill/>
+          </a:ln>
+        </p:spPr>
+        <p:style>
+          <a:lnRef idx="2">
+            <a:schemeClr val="accent1">
+              <a:shade val="50000"/>
+            </a:schemeClr>
+          </a:lnRef>
+          <a:fillRef idx="1">
+            <a:schemeClr val="accent1"/>
+          </a:fillRef>
+          <a:effectRef idx="0">
+            <a:schemeClr val="accent1"/>
+          </a:effectRef>
+          <a:fontRef idx="minor">
+            <a:schemeClr val="lt1"/>
+          </a:fontRef>
+        </p:style>
+      </p:sp>
+      <p:sp>
+        <p:nvSpPr>
+          <p:cNvPr id="2" name="Title 1">
+            <a:extLst>
+              <a:ext uri="{FF2B5EF4-FFF2-40B4-BE49-F238E27FC236}">
+                <a16:creationId xmlns:a16="http://schemas.microsoft.com/office/drawing/2014/main" id="{0AE422CB-EBC9-4703-870C-8981A495893A}"/>
+              </a:ext>
+            </a:extLst>
+          </p:cNvPr>
+          <p:cNvSpPr>
+            <a:spLocks noGrp="1"/>
+          </p:cNvSpPr>
+          <p:nvPr>
+            <p:ph type="title"/>
+          </p:nvPr>
+        </p:nvSpPr>
+        <p:spPr>
+          <a:xfrm>
+            <a:off x="492370" y="516835"/>
+            <a:ext cx="3084844" cy="5772840"/>
+          </a:xfrm>
+        </p:spPr>
+        <p:txBody>
+          <a:bodyPr anchor="ctr">
+            <a:normAutofit/>
+          </a:bodyPr>
+          <a:lstStyle/>
+          <a:p>
+            <a:pPr algn="ctr"/>
+            <a:r>
+              <a:rPr lang="en-US" sz="3200" dirty="0">
+                <a:solidFill>
+                  <a:schemeClr val="bg1"/>
+                </a:solidFill>
+                <a:latin typeface="Broadway" panose="04040905080B02020502" pitchFamily="82" charset="0"/>
+              </a:rPr>
+              <a:t>Loading</a:t>
+            </a:r>
+            <a:r>
+              <a:rPr lang="en-US" sz="3600" dirty="0">
+                <a:solidFill>
+                  <a:schemeClr val="bg1"/>
+                </a:solidFill>
+              </a:rPr>
+              <a:t>: </a:t>
+            </a:r>
+          </a:p>
+        </p:txBody>
+      </p:sp>
+      <p:sp>
+        <p:nvSpPr>
+          <p:cNvPr id="4" name="Content Placeholder 3">
+            <a:extLst>
+              <a:ext uri="{FF2B5EF4-FFF2-40B4-BE49-F238E27FC236}">
+                <a16:creationId xmlns:a16="http://schemas.microsoft.com/office/drawing/2014/main" id="{6FBBD25A-D8C1-4393-A4BA-C24D594B279B}"/>
+              </a:ext>
+            </a:extLst>
+          </p:cNvPr>
+          <p:cNvSpPr>
+            <a:spLocks noGrp="1"/>
+          </p:cNvSpPr>
+          <p:nvPr>
+            <p:ph idx="1"/>
+          </p:nvPr>
+        </p:nvSpPr>
+        <p:spPr>
+          <a:xfrm>
+            <a:off x="4333875" y="393702"/>
+            <a:ext cx="7365755" cy="807132"/>
+          </a:xfrm>
+        </p:spPr>
+        <p:txBody>
+          <a:bodyPr>
+            <a:noAutofit/>
+          </a:bodyPr>
+          <a:lstStyle/>
+          <a:p>
+            <a:r>
+              <a:rPr lang="en-US" sz="3200" dirty="0">
+                <a:solidFill>
+                  <a:schemeClr val="accent3"/>
+                </a:solidFill>
+                <a:latin typeface="Broadway" panose="04040905080B02020502" pitchFamily="82" charset="0"/>
+              </a:rPr>
+              <a:t>Insert headline</a:t>
+            </a:r>
+          </a:p>
+        </p:txBody>
+      </p:sp>
+      <p:sp>
+        <p:nvSpPr>
+          <p:cNvPr id="5" name="TextBox 4">
+            <a:extLst>
+              <a:ext uri="{FF2B5EF4-FFF2-40B4-BE49-F238E27FC236}">
+                <a16:creationId xmlns:a16="http://schemas.microsoft.com/office/drawing/2014/main" id="{E1340135-CA43-42AC-9602-58079833243C}"/>
+              </a:ext>
+            </a:extLst>
+          </p:cNvPr>
+          <p:cNvSpPr txBox="1"/>
+          <p:nvPr/>
+        </p:nvSpPr>
+        <p:spPr>
+          <a:xfrm>
+            <a:off x="4251742" y="1453847"/>
+            <a:ext cx="7540208" cy="338554"/>
+          </a:xfrm>
+          <a:prstGeom prst="rect">
+            <a:avLst/>
+          </a:prstGeom>
+          <a:noFill/>
+        </p:spPr>
+        <p:txBody>
+          <a:bodyPr wrap="square" rtlCol="0">
+            <a:spAutoFit/>
+          </a:bodyPr>
+          <a:lstStyle/>
+          <a:p>
+            <a:pPr marL="0" marR="0" lvl="0" indent="0" algn="l" defTabSz="914400" rtl="0" eaLnBrk="1" fontAlgn="auto" latinLnBrk="0" hangingPunct="1">
+              <a:lnSpc>
+                <a:spcPct val="100000"/>
+              </a:lnSpc>
+              <a:spcBef>
+                <a:spcPts val="0"/>
+              </a:spcBef>
+              <a:spcAft>
+                <a:spcPts val="0"/>
+              </a:spcAft>
+              <a:buClrTx/>
+              <a:buSzTx/>
+              <a:buFontTx/>
+              <a:buNone/>
+              <a:tabLst/>
+              <a:defRPr/>
+            </a:pPr>
+            <a:r>
               <a:rPr kumimoji="0" lang="en-US" sz="1600" b="0" i="0" u="none" strike="noStrike" kern="1200" cap="none" spc="0" normalizeH="0" baseline="0" noProof="0" dirty="0">
                 <a:ln>
                   <a:noFill/>
@@ -6991,7 +7179,7 @@
 </p:sld>
 </file>
 
-<file path=ppt/slides/slide8.xml><?xml version="1.0" encoding="utf-8"?>
+<file path=ppt/slides/slide9.xml><?xml version="1.0" encoding="utf-8"?>
 <p:sld xmlns:a="http://schemas.openxmlformats.org/drawingml/2006/main" xmlns:r="http://schemas.openxmlformats.org/officeDocument/2006/relationships" xmlns:p="http://schemas.openxmlformats.org/presentationml/2006/main">
   <p:cSld>
     <p:bg>
@@ -7878,21 +8066,21 @@
 </file>
 
 <file path=customXml/item2.xml><?xml version="1.0" encoding="utf-8"?>
+<p:properties xmlns:p="http://schemas.microsoft.com/office/2006/metadata/properties" xmlns:xsi="http://www.w3.org/2001/XMLSchema-instance" xmlns:pc="http://schemas.microsoft.com/office/infopath/2007/PartnerControls">
+  <documentManagement>
+    <Status xmlns="71af3243-3dd4-4a8d-8c0d-dd76da1f02a5">Not started</Status>
+    <MediaServiceKeyPoints xmlns="71af3243-3dd4-4a8d-8c0d-dd76da1f02a5" xsi:nil="true"/>
+  </documentManagement>
+</p:properties>
+</file>
+
+<file path=customXml/item3.xml><?xml version="1.0" encoding="utf-8"?>
 <?mso-contentType ?>
 <FormTemplates xmlns="http://schemas.microsoft.com/sharepoint/v3/contenttype/forms">
   <Display>DocumentLibraryForm</Display>
   <Edit>DocumentLibraryForm</Edit>
   <New>DocumentLibraryForm</New>
 </FormTemplates>
-</file>
-
-<file path=customXml/item3.xml><?xml version="1.0" encoding="utf-8"?>
-<p:properties xmlns:p="http://schemas.microsoft.com/office/2006/metadata/properties" xmlns:xsi="http://www.w3.org/2001/XMLSchema-instance" xmlns:pc="http://schemas.microsoft.com/office/infopath/2007/PartnerControls">
-  <documentManagement>
-    <Status xmlns="71af3243-3dd4-4a8d-8c0d-dd76da1f02a5">Not started</Status>
-    <MediaServiceKeyPoints xmlns="71af3243-3dd4-4a8d-8c0d-dd76da1f02a5" xsi:nil="true"/>
-  </documentManagement>
-</p:properties>
 </file>
 
 <file path=customXml/itemProps1.xml><?xml version="1.0" encoding="utf-8"?>
@@ -7915,14 +8103,6 @@
 </file>
 
 <file path=customXml/itemProps2.xml><?xml version="1.0" encoding="utf-8"?>
-<ds:datastoreItem xmlns:ds="http://schemas.openxmlformats.org/officeDocument/2006/customXml" ds:itemID="{2E5ECA37-C458-4BA2-A090-D7A19E07B434}">
-  <ds:schemaRefs>
-    <ds:schemaRef ds:uri="http://schemas.microsoft.com/sharepoint/v3/contenttype/forms"/>
-  </ds:schemaRefs>
-</ds:datastoreItem>
-</file>
-
-<file path=customXml/itemProps3.xml><?xml version="1.0" encoding="utf-8"?>
 <ds:datastoreItem xmlns:ds="http://schemas.openxmlformats.org/officeDocument/2006/customXml" ds:itemID="{84F503EC-3FFF-4193-A86F-39150E2BAC75}">
   <ds:schemaRefs>
     <ds:schemaRef ds:uri="http://schemas.microsoft.com/office/2006/metadata/properties"/>
@@ -7930,4 +8110,12 @@
     <ds:schemaRef ds:uri="71af3243-3dd4-4a8d-8c0d-dd76da1f02a5"/>
   </ds:schemaRefs>
 </ds:datastoreItem>
+</file>
+
+<file path=customXml/itemProps3.xml><?xml version="1.0" encoding="utf-8"?>
+<ds:datastoreItem xmlns:ds="http://schemas.openxmlformats.org/officeDocument/2006/customXml" ds:itemID="{2E5ECA37-C458-4BA2-A090-D7A19E07B434}">
+  <ds:schemaRefs>
+    <ds:schemaRef ds:uri="http://schemas.microsoft.com/sharepoint/v3/contenttype/forms"/>
+  </ds:schemaRefs>
+</ds:datastoreItem>
 </file>
--- a/DRAFT Presentation.pptx
+++ b/DRAFT Presentation.pptx
@@ -4315,7 +4315,7 @@
         <p:spPr>
           <a:xfrm>
             <a:off x="4246648" y="1341152"/>
-            <a:ext cx="7540208" cy="2062103"/>
+            <a:ext cx="7540208" cy="3354765"/>
           </a:xfrm>
           <a:prstGeom prst="rect">
             <a:avLst/>
@@ -4399,9 +4399,16 @@
                   <a:srgbClr val="0070C0"/>
                 </a:solidFill>
                 <a:latin typeface="Franklin Gothic Book" panose="020F0502020204030204"/>
+                <a:hlinkClick r:id="rId2"/>
               </a:rPr>
               <a:t>https://www.kaggle.com/ruchi798/movies-on-netflix-prime-video-hulu-and-disney </a:t>
             </a:r>
+            <a:endParaRPr lang="en-US" sz="1400" dirty="0">
+              <a:solidFill>
+                <a:srgbClr val="0070C0"/>
+              </a:solidFill>
+              <a:latin typeface="Franklin Gothic Book" panose="020F0502020204030204"/>
+            </a:endParaRPr>
           </a:p>
           <a:p>
             <a:endParaRPr lang="en-US" sz="1400" dirty="0">
@@ -4419,7 +4426,7 @@
                 </a:solidFill>
                 <a:latin typeface="Franklin Gothic Book" panose="020F0502020204030204"/>
               </a:rPr>
-              <a:t>The second source was  JSON database from </a:t>
+              <a:t>The second source was  csv database from </a:t>
             </a:r>
             <a:r>
               <a:rPr lang="en-US" sz="1400" dirty="0" err="1">
@@ -4437,7 +4444,7 @@
                 </a:solidFill>
                 <a:latin typeface="Franklin Gothic Book" panose="020F0502020204030204"/>
               </a:rPr>
-              <a:t> containing Oscar nominees and winners. </a:t>
+              <a:t> containing Oscar nominees and winners. This file would be used as the base for cleaning the replacement file. </a:t>
             </a:r>
           </a:p>
           <a:p>
@@ -4459,9 +4466,65 @@
                   <a:srgbClr val="0070C0"/>
                 </a:solidFill>
                 <a:latin typeface="Franklin Gothic Book" panose="020F0502020204030204"/>
+                <a:hlinkClick r:id="rId3"/>
               </a:rPr>
               <a:t>https://datahub.io/rufuspollock/oscars-nominees-and-winners</a:t>
             </a:r>
+            <a:endParaRPr lang="en-US" sz="1400" dirty="0">
+              <a:solidFill>
+                <a:srgbClr val="0070C0"/>
+              </a:solidFill>
+              <a:latin typeface="Franklin Gothic Book" panose="020F0502020204030204"/>
+            </a:endParaRPr>
+          </a:p>
+          <a:p>
+            <a:endParaRPr lang="en-US" sz="1400" dirty="0">
+              <a:solidFill>
+                <a:prstClr val="black"/>
+              </a:solidFill>
+              <a:latin typeface="Franklin Gothic Book" panose="020F0502020204030204"/>
+            </a:endParaRPr>
+          </a:p>
+          <a:p>
+            <a:r>
+              <a:rPr lang="en-US" sz="1400" dirty="0">
+                <a:solidFill>
+                  <a:prstClr val="black"/>
+                </a:solidFill>
+                <a:latin typeface="Franklin Gothic Book" panose="020F0502020204030204"/>
+              </a:rPr>
+              <a:t>The third source was  csv database from Kaggle, also containing Oscar nominees and winners. This file had the film titles required for joining. </a:t>
+            </a:r>
+          </a:p>
+          <a:p>
+            <a:endParaRPr lang="en-US" sz="1400" dirty="0">
+              <a:solidFill>
+                <a:prstClr val="black"/>
+              </a:solidFill>
+              <a:latin typeface="Franklin Gothic Book" panose="020F0502020204030204"/>
+            </a:endParaRPr>
+          </a:p>
+          <a:p>
+            <a:pPr marL="742950" lvl="1" indent="-285750">
+              <a:buFont typeface="Arial" panose="020B0604020202020204" pitchFamily="34" charset="0"/>
+              <a:buChar char="•"/>
+            </a:pPr>
+            <a:r>
+              <a:rPr lang="en-US" sz="1400" dirty="0">
+                <a:solidFill>
+                  <a:srgbClr val="0070C0"/>
+                </a:solidFill>
+                <a:latin typeface="Franklin Gothic Book" panose="020F0502020204030204"/>
+                <a:hlinkClick r:id="rId4"/>
+              </a:rPr>
+              <a:t>https://www.kaggle.com/unanimad/the-Oscar-award</a:t>
+            </a:r>
+            <a:endParaRPr lang="en-US" sz="1400" dirty="0">
+              <a:solidFill>
+                <a:srgbClr val="0070C0"/>
+              </a:solidFill>
+              <a:latin typeface="Franklin Gothic Book" panose="020F0502020204030204"/>
+            </a:endParaRPr>
           </a:p>
           <a:p>
             <a:pPr marL="0" marR="0" lvl="0" indent="0" algn="l" defTabSz="914400" rtl="0" eaLnBrk="1" fontAlgn="auto" latinLnBrk="0" hangingPunct="1">
@@ -4512,7 +4575,7 @@
         </p:nvSpPr>
         <p:spPr>
           <a:xfrm>
-            <a:off x="4371091" y="3853741"/>
+            <a:off x="4371091" y="4993628"/>
             <a:ext cx="7540208" cy="523220"/>
           </a:xfrm>
           <a:prstGeom prst="rect">
@@ -7845,6 +7908,15 @@
 </file>
 
 <file path=customXml/item1.xml><?xml version="1.0" encoding="utf-8"?>
+<p:properties xmlns:p="http://schemas.microsoft.com/office/2006/metadata/properties" xmlns:xsi="http://www.w3.org/2001/XMLSchema-instance" xmlns:pc="http://schemas.microsoft.com/office/infopath/2007/PartnerControls">
+  <documentManagement>
+    <Status xmlns="71af3243-3dd4-4a8d-8c0d-dd76da1f02a5">Not started</Status>
+    <MediaServiceKeyPoints xmlns="71af3243-3dd4-4a8d-8c0d-dd76da1f02a5" xsi:nil="true"/>
+  </documentManagement>
+</p:properties>
+</file>
+
+<file path=customXml/item2.xml><?xml version="1.0" encoding="utf-8"?>
 <ct:contentTypeSchema xmlns:ct="http://schemas.microsoft.com/office/2006/metadata/contentType" xmlns:ma="http://schemas.microsoft.com/office/2006/metadata/properties/metaAttributes" ct:_="" ma:_="" ma:contentTypeName="Document" ma:contentTypeID="0x01010079F111ED35F8CC479449609E8A0923A6" ma:contentTypeVersion="12" ma:contentTypeDescription="Create a new document." ma:contentTypeScope="" ma:versionID="426e97fa315356fffbdcd9876fe988c2">
   <xsd:schema xmlns:xsd="http://www.w3.org/2001/XMLSchema" xmlns:xs="http://www.w3.org/2001/XMLSchema" xmlns:p="http://schemas.microsoft.com/office/2006/metadata/properties" xmlns:ns2="71af3243-3dd4-4a8d-8c0d-dd76da1f02a5" xmlns:ns3="16c05727-aa75-4e4a-9b5f-8a80a1165891" targetNamespace="http://schemas.microsoft.com/office/2006/metadata/properties" ma:root="true" ma:fieldsID="14b8f0def80e6d70ce3def20c90759ae" ns2:_="" ns3:_="">
     <xsd:import namespace="71af3243-3dd4-4a8d-8c0d-dd76da1f02a5"/>
@@ -8065,15 +8137,6 @@
 </ct:contentTypeSchema>
 </file>
 
-<file path=customXml/item2.xml><?xml version="1.0" encoding="utf-8"?>
-<p:properties xmlns:p="http://schemas.microsoft.com/office/2006/metadata/properties" xmlns:xsi="http://www.w3.org/2001/XMLSchema-instance" xmlns:pc="http://schemas.microsoft.com/office/infopath/2007/PartnerControls">
-  <documentManagement>
-    <Status xmlns="71af3243-3dd4-4a8d-8c0d-dd76da1f02a5">Not started</Status>
-    <MediaServiceKeyPoints xmlns="71af3243-3dd4-4a8d-8c0d-dd76da1f02a5" xsi:nil="true"/>
-  </documentManagement>
-</p:properties>
-</file>
-
 <file path=customXml/item3.xml><?xml version="1.0" encoding="utf-8"?>
 <?mso-contentType ?>
 <FormTemplates xmlns="http://schemas.microsoft.com/sharepoint/v3/contenttype/forms">
@@ -8084,6 +8147,16 @@
 </file>
 
 <file path=customXml/itemProps1.xml><?xml version="1.0" encoding="utf-8"?>
+<ds:datastoreItem xmlns:ds="http://schemas.openxmlformats.org/officeDocument/2006/customXml" ds:itemID="{84F503EC-3FFF-4193-A86F-39150E2BAC75}">
+  <ds:schemaRefs>
+    <ds:schemaRef ds:uri="http://schemas.microsoft.com/office/2006/metadata/properties"/>
+    <ds:schemaRef ds:uri="http://schemas.microsoft.com/office/infopath/2007/PartnerControls"/>
+    <ds:schemaRef ds:uri="71af3243-3dd4-4a8d-8c0d-dd76da1f02a5"/>
+  </ds:schemaRefs>
+</ds:datastoreItem>
+</file>
+
+<file path=customXml/itemProps2.xml><?xml version="1.0" encoding="utf-8"?>
 <ds:datastoreItem xmlns:ds="http://schemas.openxmlformats.org/officeDocument/2006/customXml" ds:itemID="{7A26AAF5-6CFC-4C52-B7DF-08410EDE6701}">
   <ds:schemaRefs>
     <ds:schemaRef ds:uri="http://schemas.microsoft.com/office/2006/metadata/contentType"/>
@@ -8102,16 +8175,6 @@
 </ds:datastoreItem>
 </file>
 
-<file path=customXml/itemProps2.xml><?xml version="1.0" encoding="utf-8"?>
-<ds:datastoreItem xmlns:ds="http://schemas.openxmlformats.org/officeDocument/2006/customXml" ds:itemID="{84F503EC-3FFF-4193-A86F-39150E2BAC75}">
-  <ds:schemaRefs>
-    <ds:schemaRef ds:uri="http://schemas.microsoft.com/office/2006/metadata/properties"/>
-    <ds:schemaRef ds:uri="http://schemas.microsoft.com/office/infopath/2007/PartnerControls"/>
-    <ds:schemaRef ds:uri="71af3243-3dd4-4a8d-8c0d-dd76da1f02a5"/>
-  </ds:schemaRefs>
-</ds:datastoreItem>
-</file>
-
 <file path=customXml/itemProps3.xml><?xml version="1.0" encoding="utf-8"?>
 <ds:datastoreItem xmlns:ds="http://schemas.openxmlformats.org/officeDocument/2006/customXml" ds:itemID="{2E5ECA37-C458-4BA2-A090-D7A19E07B434}">
   <ds:schemaRefs>
